--- a/스크린샷.pptx
+++ b/스크린샷.pptx
@@ -18,6 +18,7 @@
     <p:sldId id="266" r:id="rId12"/>
     <p:sldId id="267" r:id="rId13"/>
     <p:sldId id="268" r:id="rId14"/>
+    <p:sldId id="269" r:id="rId15"/>
   </p:sldIdLst>
   <p:sldSz cx="12192000" cy="6858000"/>
   <p:notesSz cx="6858000" cy="9144000"/>
@@ -255,7 +256,7 @@
           <a:p>
             <a:fld id="{1E6EF555-57B8-4331-8402-F994EAA112C5}" type="datetimeFigureOut">
               <a:rPr lang="ko-KR" altLang="en-US" smtClean="0"/>
-              <a:t>2020-01-14</a:t>
+              <a:t>2020-02-06</a:t>
             </a:fld>
             <a:endParaRPr lang="ko-KR" altLang="en-US"/>
           </a:p>
@@ -425,7 +426,7 @@
           <a:p>
             <a:fld id="{1E6EF555-57B8-4331-8402-F994EAA112C5}" type="datetimeFigureOut">
               <a:rPr lang="ko-KR" altLang="en-US" smtClean="0"/>
-              <a:t>2020-01-14</a:t>
+              <a:t>2020-02-06</a:t>
             </a:fld>
             <a:endParaRPr lang="ko-KR" altLang="en-US"/>
           </a:p>
@@ -605,7 +606,7 @@
           <a:p>
             <a:fld id="{1E6EF555-57B8-4331-8402-F994EAA112C5}" type="datetimeFigureOut">
               <a:rPr lang="ko-KR" altLang="en-US" smtClean="0"/>
-              <a:t>2020-01-14</a:t>
+              <a:t>2020-02-06</a:t>
             </a:fld>
             <a:endParaRPr lang="ko-KR" altLang="en-US"/>
           </a:p>
@@ -775,7 +776,7 @@
           <a:p>
             <a:fld id="{1E6EF555-57B8-4331-8402-F994EAA112C5}" type="datetimeFigureOut">
               <a:rPr lang="ko-KR" altLang="en-US" smtClean="0"/>
-              <a:t>2020-01-14</a:t>
+              <a:t>2020-02-06</a:t>
             </a:fld>
             <a:endParaRPr lang="ko-KR" altLang="en-US"/>
           </a:p>
@@ -1021,7 +1022,7 @@
           <a:p>
             <a:fld id="{1E6EF555-57B8-4331-8402-F994EAA112C5}" type="datetimeFigureOut">
               <a:rPr lang="ko-KR" altLang="en-US" smtClean="0"/>
-              <a:t>2020-01-14</a:t>
+              <a:t>2020-02-06</a:t>
             </a:fld>
             <a:endParaRPr lang="ko-KR" altLang="en-US"/>
           </a:p>
@@ -1253,7 +1254,7 @@
           <a:p>
             <a:fld id="{1E6EF555-57B8-4331-8402-F994EAA112C5}" type="datetimeFigureOut">
               <a:rPr lang="ko-KR" altLang="en-US" smtClean="0"/>
-              <a:t>2020-01-14</a:t>
+              <a:t>2020-02-06</a:t>
             </a:fld>
             <a:endParaRPr lang="ko-KR" altLang="en-US"/>
           </a:p>
@@ -1620,7 +1621,7 @@
           <a:p>
             <a:fld id="{1E6EF555-57B8-4331-8402-F994EAA112C5}" type="datetimeFigureOut">
               <a:rPr lang="ko-KR" altLang="en-US" smtClean="0"/>
-              <a:t>2020-01-14</a:t>
+              <a:t>2020-02-06</a:t>
             </a:fld>
             <a:endParaRPr lang="ko-KR" altLang="en-US"/>
           </a:p>
@@ -1738,7 +1739,7 @@
           <a:p>
             <a:fld id="{1E6EF555-57B8-4331-8402-F994EAA112C5}" type="datetimeFigureOut">
               <a:rPr lang="ko-KR" altLang="en-US" smtClean="0"/>
-              <a:t>2020-01-14</a:t>
+              <a:t>2020-02-06</a:t>
             </a:fld>
             <a:endParaRPr lang="ko-KR" altLang="en-US"/>
           </a:p>
@@ -1833,7 +1834,7 @@
           <a:p>
             <a:fld id="{1E6EF555-57B8-4331-8402-F994EAA112C5}" type="datetimeFigureOut">
               <a:rPr lang="ko-KR" altLang="en-US" smtClean="0"/>
-              <a:t>2020-01-14</a:t>
+              <a:t>2020-02-06</a:t>
             </a:fld>
             <a:endParaRPr lang="ko-KR" altLang="en-US"/>
           </a:p>
@@ -2110,7 +2111,7 @@
           <a:p>
             <a:fld id="{1E6EF555-57B8-4331-8402-F994EAA112C5}" type="datetimeFigureOut">
               <a:rPr lang="ko-KR" altLang="en-US" smtClean="0"/>
-              <a:t>2020-01-14</a:t>
+              <a:t>2020-02-06</a:t>
             </a:fld>
             <a:endParaRPr lang="ko-KR" altLang="en-US"/>
           </a:p>
@@ -2363,7 +2364,7 @@
           <a:p>
             <a:fld id="{1E6EF555-57B8-4331-8402-F994EAA112C5}" type="datetimeFigureOut">
               <a:rPr lang="ko-KR" altLang="en-US" smtClean="0"/>
-              <a:t>2020-01-14</a:t>
+              <a:t>2020-02-06</a:t>
             </a:fld>
             <a:endParaRPr lang="ko-KR" altLang="en-US"/>
           </a:p>
@@ -2576,7 +2577,7 @@
           <a:p>
             <a:fld id="{1E6EF555-57B8-4331-8402-F994EAA112C5}" type="datetimeFigureOut">
               <a:rPr lang="ko-KR" altLang="en-US" smtClean="0"/>
-              <a:t>2020-01-14</a:t>
+              <a:t>2020-02-06</a:t>
             </a:fld>
             <a:endParaRPr lang="ko-KR" altLang="en-US"/>
           </a:p>
@@ -4653,6 +4654,537 @@
 </p:sld>
 </file>
 
+<file path=ppt/slides/slide14.xml><?xml version="1.0" encoding="utf-8"?>
+<p:sld xmlns:a="http://schemas.openxmlformats.org/drawingml/2006/main" xmlns:r="http://schemas.openxmlformats.org/officeDocument/2006/relationships" xmlns:p="http://schemas.openxmlformats.org/presentationml/2006/main">
+  <p:cSld>
+    <p:spTree>
+      <p:nvGrpSpPr>
+        <p:cNvPr id="1" name=""/>
+        <p:cNvGrpSpPr/>
+        <p:nvPr/>
+      </p:nvGrpSpPr>
+      <p:grpSpPr>
+        <a:xfrm>
+          <a:off x="0" y="0"/>
+          <a:ext cx="0" cy="0"/>
+          <a:chOff x="0" y="0"/>
+          <a:chExt cx="0" cy="0"/>
+        </a:xfrm>
+      </p:grpSpPr>
+      <p:sp>
+        <p:nvSpPr>
+          <p:cNvPr id="2" name="제목 1"/>
+          <p:cNvSpPr>
+            <a:spLocks noGrp="1"/>
+          </p:cNvSpPr>
+          <p:nvPr>
+            <p:ph type="title"/>
+          </p:nvPr>
+        </p:nvSpPr>
+        <p:spPr/>
+        <p:txBody>
+          <a:bodyPr/>
+          <a:lstStyle/>
+          <a:p>
+            <a:endParaRPr lang="ko-KR" altLang="en-US"/>
+          </a:p>
+        </p:txBody>
+      </p:sp>
+      <p:pic>
+        <p:nvPicPr>
+          <p:cNvPr id="4" name="내용 개체 틀 3"/>
+          <p:cNvPicPr>
+            <a:picLocks noGrp="1" noChangeAspect="1"/>
+          </p:cNvPicPr>
+          <p:nvPr>
+            <p:ph idx="1"/>
+          </p:nvPr>
+        </p:nvPicPr>
+        <p:blipFill>
+          <a:blip r:embed="rId2"/>
+          <a:stretch>
+            <a:fillRect/>
+          </a:stretch>
+        </p:blipFill>
+        <p:spPr>
+          <a:xfrm>
+            <a:off x="4152900" y="2091531"/>
+            <a:ext cx="3886200" cy="3819525"/>
+          </a:xfrm>
+          <a:prstGeom prst="rect">
+            <a:avLst/>
+          </a:prstGeom>
+        </p:spPr>
+      </p:pic>
+      <p:sp>
+        <p:nvSpPr>
+          <p:cNvPr id="5" name="설명선 2 4"/>
+          <p:cNvSpPr/>
+          <p:nvPr/>
+        </p:nvSpPr>
+        <p:spPr>
+          <a:xfrm>
+            <a:off x="8349996" y="4698660"/>
+            <a:ext cx="1280160" cy="890016"/>
+          </a:xfrm>
+          <a:prstGeom prst="borderCallout2">
+            <a:avLst>
+              <a:gd name="adj1" fmla="val 18750"/>
+              <a:gd name="adj2" fmla="val -8333"/>
+              <a:gd name="adj3" fmla="val 18750"/>
+              <a:gd name="adj4" fmla="val -16667"/>
+              <a:gd name="adj5" fmla="val 71404"/>
+              <a:gd name="adj6" fmla="val -49524"/>
+            </a:avLst>
+          </a:prstGeom>
+        </p:spPr>
+        <p:style>
+          <a:lnRef idx="2">
+            <a:schemeClr val="accent1">
+              <a:shade val="50000"/>
+            </a:schemeClr>
+          </a:lnRef>
+          <a:fillRef idx="1">
+            <a:schemeClr val="accent1"/>
+          </a:fillRef>
+          <a:effectRef idx="0">
+            <a:schemeClr val="accent1"/>
+          </a:effectRef>
+          <a:fontRef idx="minor">
+            <a:schemeClr val="lt1"/>
+          </a:fontRef>
+        </p:style>
+        <p:txBody>
+          <a:bodyPr rtlCol="0" anchor="ctr"/>
+          <a:lstStyle/>
+          <a:p>
+            <a:pPr algn="ctr"/>
+            <a:r>
+              <a:rPr lang="ko-KR" altLang="en-US" sz="1100" dirty="0" err="1" smtClean="0"/>
+              <a:t>미니맵</a:t>
+            </a:r>
+            <a:endParaRPr lang="en-US" altLang="ko-KR" sz="1100" dirty="0" smtClean="0"/>
+          </a:p>
+          <a:p>
+            <a:pPr marL="171450" indent="-171450">
+              <a:buFontTx/>
+              <a:buChar char="-"/>
+            </a:pPr>
+            <a:r>
+              <a:rPr lang="ko-KR" altLang="en-US" sz="1100" dirty="0" smtClean="0"/>
+              <a:t>현재위치</a:t>
+            </a:r>
+            <a:endParaRPr lang="en-US" altLang="ko-KR" sz="1100" dirty="0" smtClean="0"/>
+          </a:p>
+          <a:p>
+            <a:pPr marL="171450" indent="-171450">
+              <a:buFontTx/>
+              <a:buChar char="-"/>
+            </a:pPr>
+            <a:r>
+              <a:rPr lang="ko-KR" altLang="en-US" sz="1100" dirty="0" err="1" smtClean="0"/>
+              <a:t>보스맵</a:t>
+            </a:r>
+            <a:endParaRPr lang="en-US" altLang="ko-KR" sz="1100" dirty="0" smtClean="0"/>
+          </a:p>
+          <a:p>
+            <a:pPr marL="171450" indent="-171450">
+              <a:buFontTx/>
+              <a:buChar char="-"/>
+            </a:pPr>
+            <a:r>
+              <a:rPr lang="ko-KR" altLang="en-US" sz="1100" dirty="0" err="1" smtClean="0"/>
+              <a:t>열쇠맵</a:t>
+            </a:r>
+            <a:endParaRPr lang="ko-KR" altLang="en-US" sz="1100" dirty="0"/>
+          </a:p>
+        </p:txBody>
+      </p:sp>
+      <p:sp>
+        <p:nvSpPr>
+          <p:cNvPr id="6" name="직사각형 5"/>
+          <p:cNvSpPr/>
+          <p:nvPr/>
+        </p:nvSpPr>
+        <p:spPr>
+          <a:xfrm>
+            <a:off x="4262628" y="2206752"/>
+            <a:ext cx="992124" cy="399625"/>
+          </a:xfrm>
+          <a:prstGeom prst="rect">
+            <a:avLst/>
+          </a:prstGeom>
+          <a:noFill/>
+          <a:ln w="28575">
+            <a:solidFill>
+              <a:srgbClr val="FF0000"/>
+            </a:solidFill>
+          </a:ln>
+          <a:effectLst>
+            <a:outerShdw blurRad="50800" dist="38100" dir="2700000" algn="tl" rotWithShape="0">
+              <a:prstClr val="black">
+                <a:alpha val="40000"/>
+              </a:prstClr>
+            </a:outerShdw>
+          </a:effectLst>
+        </p:spPr>
+        <p:style>
+          <a:lnRef idx="1">
+            <a:schemeClr val="accent2"/>
+          </a:lnRef>
+          <a:fillRef idx="2">
+            <a:schemeClr val="accent2"/>
+          </a:fillRef>
+          <a:effectRef idx="1">
+            <a:schemeClr val="accent2"/>
+          </a:effectRef>
+          <a:fontRef idx="minor">
+            <a:schemeClr val="dk1"/>
+          </a:fontRef>
+        </p:style>
+        <p:txBody>
+          <a:bodyPr rtlCol="0" anchor="ctr"/>
+          <a:lstStyle/>
+          <a:p>
+            <a:pPr algn="ctr"/>
+            <a:endParaRPr lang="ko-KR" altLang="en-US"/>
+          </a:p>
+        </p:txBody>
+      </p:sp>
+      <p:sp>
+        <p:nvSpPr>
+          <p:cNvPr id="7" name="직사각형 6"/>
+          <p:cNvSpPr/>
+          <p:nvPr/>
+        </p:nvSpPr>
+        <p:spPr>
+          <a:xfrm>
+            <a:off x="4152900" y="5388864"/>
+            <a:ext cx="992124" cy="399625"/>
+          </a:xfrm>
+          <a:prstGeom prst="rect">
+            <a:avLst/>
+          </a:prstGeom>
+          <a:noFill/>
+          <a:ln w="28575">
+            <a:solidFill>
+              <a:srgbClr val="FF0000"/>
+            </a:solidFill>
+          </a:ln>
+          <a:effectLst>
+            <a:outerShdw blurRad="50800" dist="38100" dir="2700000" algn="tl" rotWithShape="0">
+              <a:prstClr val="black">
+                <a:alpha val="40000"/>
+              </a:prstClr>
+            </a:outerShdw>
+          </a:effectLst>
+        </p:spPr>
+        <p:style>
+          <a:lnRef idx="1">
+            <a:schemeClr val="accent2"/>
+          </a:lnRef>
+          <a:fillRef idx="2">
+            <a:schemeClr val="accent2"/>
+          </a:fillRef>
+          <a:effectRef idx="1">
+            <a:schemeClr val="accent2"/>
+          </a:effectRef>
+          <a:fontRef idx="minor">
+            <a:schemeClr val="dk1"/>
+          </a:fontRef>
+        </p:style>
+        <p:txBody>
+          <a:bodyPr rtlCol="0" anchor="ctr"/>
+          <a:lstStyle/>
+          <a:p>
+            <a:pPr algn="ctr"/>
+            <a:endParaRPr lang="ko-KR" altLang="en-US"/>
+          </a:p>
+        </p:txBody>
+      </p:sp>
+      <p:sp>
+        <p:nvSpPr>
+          <p:cNvPr id="8" name="직사각형 7"/>
+          <p:cNvSpPr/>
+          <p:nvPr/>
+        </p:nvSpPr>
+        <p:spPr>
+          <a:xfrm>
+            <a:off x="7046976" y="5007142"/>
+            <a:ext cx="829056" cy="781347"/>
+          </a:xfrm>
+          <a:prstGeom prst="rect">
+            <a:avLst/>
+          </a:prstGeom>
+          <a:noFill/>
+          <a:ln w="28575">
+            <a:solidFill>
+              <a:srgbClr val="FF0000"/>
+            </a:solidFill>
+          </a:ln>
+          <a:effectLst>
+            <a:outerShdw blurRad="50800" dist="38100" dir="2700000" algn="tl" rotWithShape="0">
+              <a:prstClr val="black">
+                <a:alpha val="40000"/>
+              </a:prstClr>
+            </a:outerShdw>
+          </a:effectLst>
+        </p:spPr>
+        <p:style>
+          <a:lnRef idx="1">
+            <a:schemeClr val="accent2"/>
+          </a:lnRef>
+          <a:fillRef idx="2">
+            <a:schemeClr val="accent2"/>
+          </a:fillRef>
+          <a:effectRef idx="1">
+            <a:schemeClr val="accent2"/>
+          </a:effectRef>
+          <a:fontRef idx="minor">
+            <a:schemeClr val="dk1"/>
+          </a:fontRef>
+        </p:style>
+        <p:txBody>
+          <a:bodyPr rtlCol="0" anchor="ctr"/>
+          <a:lstStyle/>
+          <a:p>
+            <a:pPr algn="ctr"/>
+            <a:endParaRPr lang="ko-KR" altLang="en-US"/>
+          </a:p>
+        </p:txBody>
+      </p:sp>
+      <p:sp>
+        <p:nvSpPr>
+          <p:cNvPr id="9" name="설명선 2 8"/>
+          <p:cNvSpPr/>
+          <p:nvPr/>
+        </p:nvSpPr>
+        <p:spPr>
+          <a:xfrm>
+            <a:off x="2391156" y="2732392"/>
+            <a:ext cx="1426464" cy="807384"/>
+          </a:xfrm>
+          <a:prstGeom prst="borderCallout2">
+            <a:avLst>
+              <a:gd name="adj1" fmla="val 36397"/>
+              <a:gd name="adj2" fmla="val 101191"/>
+              <a:gd name="adj3" fmla="val 36397"/>
+              <a:gd name="adj4" fmla="val 123333"/>
+              <a:gd name="adj5" fmla="val -28676"/>
+              <a:gd name="adj6" fmla="val 139047"/>
+            </a:avLst>
+          </a:prstGeom>
+        </p:spPr>
+        <p:style>
+          <a:lnRef idx="2">
+            <a:schemeClr val="accent1">
+              <a:shade val="50000"/>
+            </a:schemeClr>
+          </a:lnRef>
+          <a:fillRef idx="1">
+            <a:schemeClr val="accent1"/>
+          </a:fillRef>
+          <a:effectRef idx="0">
+            <a:schemeClr val="accent1"/>
+          </a:effectRef>
+          <a:fontRef idx="minor">
+            <a:schemeClr val="lt1"/>
+          </a:fontRef>
+        </p:style>
+        <p:txBody>
+          <a:bodyPr rtlCol="0" anchor="ctr"/>
+          <a:lstStyle/>
+          <a:p>
+            <a:pPr algn="ctr"/>
+            <a:r>
+              <a:rPr lang="en-US" altLang="ko-KR" sz="1000" dirty="0" smtClean="0"/>
+              <a:t>HP</a:t>
+            </a:r>
+            <a:r>
+              <a:rPr lang="ko-KR" altLang="en-US" sz="1000" dirty="0" smtClean="0"/>
+              <a:t>정보</a:t>
+            </a:r>
+            <a:endParaRPr lang="en-US" altLang="ko-KR" sz="1000" dirty="0" smtClean="0"/>
+          </a:p>
+          <a:p>
+            <a:pPr marL="171450" indent="-171450">
+              <a:buFontTx/>
+              <a:buChar char="-"/>
+            </a:pPr>
+            <a:r>
+              <a:rPr lang="ko-KR" altLang="en-US" sz="1000" dirty="0" smtClean="0"/>
+              <a:t>최대에너지</a:t>
+            </a:r>
+            <a:r>
+              <a:rPr lang="en-US" altLang="ko-KR" sz="1000" dirty="0" smtClean="0"/>
+              <a:t>:3</a:t>
+            </a:r>
+          </a:p>
+          <a:p>
+            <a:pPr marL="171450" indent="-171450">
+              <a:buFontTx/>
+              <a:buChar char="-"/>
+            </a:pPr>
+            <a:r>
+              <a:rPr lang="ko-KR" altLang="en-US" sz="1000" dirty="0" smtClean="0"/>
+              <a:t>움직이는 하트표시</a:t>
+            </a:r>
+            <a:endParaRPr lang="en-US" altLang="ko-KR" sz="1000" dirty="0" smtClean="0"/>
+          </a:p>
+          <a:p>
+            <a:pPr marL="171450" indent="-171450">
+              <a:buFontTx/>
+              <a:buChar char="-"/>
+            </a:pPr>
+            <a:r>
+              <a:rPr lang="ko-KR" altLang="en-US" sz="1000" dirty="0" smtClean="0"/>
+              <a:t>회색하트표시</a:t>
+            </a:r>
+            <a:endParaRPr lang="ko-KR" altLang="en-US" sz="1200" dirty="0"/>
+          </a:p>
+        </p:txBody>
+      </p:sp>
+      <p:sp>
+        <p:nvSpPr>
+          <p:cNvPr id="10" name="설명선 2 9"/>
+          <p:cNvSpPr/>
+          <p:nvPr/>
+        </p:nvSpPr>
+        <p:spPr>
+          <a:xfrm>
+            <a:off x="2264664" y="4901185"/>
+            <a:ext cx="1552956" cy="780287"/>
+          </a:xfrm>
+          <a:prstGeom prst="borderCallout2">
+            <a:avLst>
+              <a:gd name="adj1" fmla="val 36397"/>
+              <a:gd name="adj2" fmla="val 101191"/>
+              <a:gd name="adj3" fmla="val 36397"/>
+              <a:gd name="adj4" fmla="val 123333"/>
+              <a:gd name="adj5" fmla="val 76749"/>
+              <a:gd name="adj6" fmla="val 148571"/>
+            </a:avLst>
+          </a:prstGeom>
+        </p:spPr>
+        <p:style>
+          <a:lnRef idx="2">
+            <a:schemeClr val="accent1">
+              <a:shade val="50000"/>
+            </a:schemeClr>
+          </a:lnRef>
+          <a:fillRef idx="1">
+            <a:schemeClr val="accent1"/>
+          </a:fillRef>
+          <a:effectRef idx="0">
+            <a:schemeClr val="accent1"/>
+          </a:effectRef>
+          <a:fontRef idx="minor">
+            <a:schemeClr val="lt1"/>
+          </a:fontRef>
+        </p:style>
+        <p:txBody>
+          <a:bodyPr rtlCol="0" anchor="ctr"/>
+          <a:lstStyle/>
+          <a:p>
+            <a:pPr algn="ctr"/>
+            <a:r>
+              <a:rPr lang="ko-KR" altLang="en-US" sz="1100" dirty="0" smtClean="0"/>
+              <a:t>무기정보</a:t>
+            </a:r>
+            <a:endParaRPr lang="en-US" altLang="ko-KR" sz="1100" dirty="0" smtClean="0"/>
+          </a:p>
+          <a:p>
+            <a:pPr marL="228600" indent="-228600">
+              <a:buAutoNum type="arabicPeriod"/>
+            </a:pPr>
+            <a:r>
+              <a:rPr lang="ko-KR" altLang="en-US" sz="1100" dirty="0" smtClean="0"/>
+              <a:t>현재무기 아이콘</a:t>
+            </a:r>
+            <a:endParaRPr lang="en-US" altLang="ko-KR" sz="1100" dirty="0" smtClean="0"/>
+          </a:p>
+          <a:p>
+            <a:pPr marL="228600" indent="-228600">
+              <a:buAutoNum type="arabicPeriod"/>
+            </a:pPr>
+            <a:r>
+              <a:rPr lang="ko-KR" altLang="en-US" sz="1100" dirty="0" smtClean="0"/>
+              <a:t>획득 모듈에너지</a:t>
+            </a:r>
+            <a:endParaRPr lang="en-US" altLang="ko-KR" sz="1100" dirty="0" smtClean="0"/>
+          </a:p>
+          <a:p>
+            <a:pPr marL="228600" indent="-228600">
+              <a:buAutoNum type="arabicPeriod"/>
+            </a:pPr>
+            <a:r>
+              <a:rPr lang="ko-KR" altLang="en-US" sz="1100" dirty="0" err="1" smtClean="0"/>
+              <a:t>남은수치</a:t>
+            </a:r>
+            <a:r>
+              <a:rPr lang="ko-KR" altLang="en-US" sz="1100" dirty="0" smtClean="0"/>
+              <a:t> </a:t>
+            </a:r>
+            <a:endParaRPr lang="ko-KR" altLang="en-US" sz="1100" dirty="0"/>
+          </a:p>
+        </p:txBody>
+      </p:sp>
+      <p:sp>
+        <p:nvSpPr>
+          <p:cNvPr id="11" name="타원 10"/>
+          <p:cNvSpPr/>
+          <p:nvPr/>
+        </p:nvSpPr>
+        <p:spPr>
+          <a:xfrm>
+            <a:off x="7382256" y="5318567"/>
+            <a:ext cx="158496" cy="158496"/>
+          </a:xfrm>
+          <a:prstGeom prst="ellipse">
+            <a:avLst/>
+          </a:prstGeom>
+          <a:solidFill>
+            <a:srgbClr val="FF0000"/>
+          </a:solidFill>
+        </p:spPr>
+        <p:style>
+          <a:lnRef idx="2">
+            <a:schemeClr val="accent1">
+              <a:shade val="50000"/>
+            </a:schemeClr>
+          </a:lnRef>
+          <a:fillRef idx="1">
+            <a:schemeClr val="accent1"/>
+          </a:fillRef>
+          <a:effectRef idx="0">
+            <a:schemeClr val="accent1"/>
+          </a:effectRef>
+          <a:fontRef idx="minor">
+            <a:schemeClr val="lt1"/>
+          </a:fontRef>
+        </p:style>
+        <p:txBody>
+          <a:bodyPr rtlCol="0" anchor="ctr"/>
+          <a:lstStyle/>
+          <a:p>
+            <a:pPr algn="ctr"/>
+            <a:endParaRPr lang="ko-KR" altLang="en-US"/>
+          </a:p>
+        </p:txBody>
+      </p:sp>
+    </p:spTree>
+    <p:extLst>
+      <p:ext uri="{BB962C8B-B14F-4D97-AF65-F5344CB8AC3E}">
+        <p14:creationId xmlns:p14="http://schemas.microsoft.com/office/powerpoint/2010/main" val="1434820913"/>
+      </p:ext>
+    </p:extLst>
+  </p:cSld>
+  <p:clrMapOvr>
+    <a:masterClrMapping/>
+  </p:clrMapOvr>
+</p:sld>
+</file>
+
 <file path=ppt/slides/slide2.xml><?xml version="1.0" encoding="utf-8"?>
 <p:sld xmlns:a="http://schemas.openxmlformats.org/drawingml/2006/main" xmlns:r="http://schemas.openxmlformats.org/officeDocument/2006/relationships" xmlns:p="http://schemas.openxmlformats.org/presentationml/2006/main">
   <p:cSld>

--- a/스크린샷.pptx
+++ b/스크린샷.pptx
@@ -19,6 +19,9 @@
     <p:sldId id="267" r:id="rId13"/>
     <p:sldId id="268" r:id="rId14"/>
     <p:sldId id="269" r:id="rId15"/>
+    <p:sldId id="271" r:id="rId16"/>
+    <p:sldId id="272" r:id="rId17"/>
+    <p:sldId id="270" r:id="rId18"/>
   </p:sldIdLst>
   <p:sldSz cx="12192000" cy="6858000"/>
   <p:notesSz cx="6858000" cy="9144000"/>
@@ -256,7 +259,7 @@
           <a:p>
             <a:fld id="{1E6EF555-57B8-4331-8402-F994EAA112C5}" type="datetimeFigureOut">
               <a:rPr lang="ko-KR" altLang="en-US" smtClean="0"/>
-              <a:t>2020-02-06</a:t>
+              <a:t>2020-02-13</a:t>
             </a:fld>
             <a:endParaRPr lang="ko-KR" altLang="en-US"/>
           </a:p>
@@ -426,7 +429,7 @@
           <a:p>
             <a:fld id="{1E6EF555-57B8-4331-8402-F994EAA112C5}" type="datetimeFigureOut">
               <a:rPr lang="ko-KR" altLang="en-US" smtClean="0"/>
-              <a:t>2020-02-06</a:t>
+              <a:t>2020-02-13</a:t>
             </a:fld>
             <a:endParaRPr lang="ko-KR" altLang="en-US"/>
           </a:p>
@@ -606,7 +609,7 @@
           <a:p>
             <a:fld id="{1E6EF555-57B8-4331-8402-F994EAA112C5}" type="datetimeFigureOut">
               <a:rPr lang="ko-KR" altLang="en-US" smtClean="0"/>
-              <a:t>2020-02-06</a:t>
+              <a:t>2020-02-13</a:t>
             </a:fld>
             <a:endParaRPr lang="ko-KR" altLang="en-US"/>
           </a:p>
@@ -776,7 +779,7 @@
           <a:p>
             <a:fld id="{1E6EF555-57B8-4331-8402-F994EAA112C5}" type="datetimeFigureOut">
               <a:rPr lang="ko-KR" altLang="en-US" smtClean="0"/>
-              <a:t>2020-02-06</a:t>
+              <a:t>2020-02-13</a:t>
             </a:fld>
             <a:endParaRPr lang="ko-KR" altLang="en-US"/>
           </a:p>
@@ -1022,7 +1025,7 @@
           <a:p>
             <a:fld id="{1E6EF555-57B8-4331-8402-F994EAA112C5}" type="datetimeFigureOut">
               <a:rPr lang="ko-KR" altLang="en-US" smtClean="0"/>
-              <a:t>2020-02-06</a:t>
+              <a:t>2020-02-13</a:t>
             </a:fld>
             <a:endParaRPr lang="ko-KR" altLang="en-US"/>
           </a:p>
@@ -1254,7 +1257,7 @@
           <a:p>
             <a:fld id="{1E6EF555-57B8-4331-8402-F994EAA112C5}" type="datetimeFigureOut">
               <a:rPr lang="ko-KR" altLang="en-US" smtClean="0"/>
-              <a:t>2020-02-06</a:t>
+              <a:t>2020-02-13</a:t>
             </a:fld>
             <a:endParaRPr lang="ko-KR" altLang="en-US"/>
           </a:p>
@@ -1621,7 +1624,7 @@
           <a:p>
             <a:fld id="{1E6EF555-57B8-4331-8402-F994EAA112C5}" type="datetimeFigureOut">
               <a:rPr lang="ko-KR" altLang="en-US" smtClean="0"/>
-              <a:t>2020-02-06</a:t>
+              <a:t>2020-02-13</a:t>
             </a:fld>
             <a:endParaRPr lang="ko-KR" altLang="en-US"/>
           </a:p>
@@ -1739,7 +1742,7 @@
           <a:p>
             <a:fld id="{1E6EF555-57B8-4331-8402-F994EAA112C5}" type="datetimeFigureOut">
               <a:rPr lang="ko-KR" altLang="en-US" smtClean="0"/>
-              <a:t>2020-02-06</a:t>
+              <a:t>2020-02-13</a:t>
             </a:fld>
             <a:endParaRPr lang="ko-KR" altLang="en-US"/>
           </a:p>
@@ -1834,7 +1837,7 @@
           <a:p>
             <a:fld id="{1E6EF555-57B8-4331-8402-F994EAA112C5}" type="datetimeFigureOut">
               <a:rPr lang="ko-KR" altLang="en-US" smtClean="0"/>
-              <a:t>2020-02-06</a:t>
+              <a:t>2020-02-13</a:t>
             </a:fld>
             <a:endParaRPr lang="ko-KR" altLang="en-US"/>
           </a:p>
@@ -2111,7 +2114,7 @@
           <a:p>
             <a:fld id="{1E6EF555-57B8-4331-8402-F994EAA112C5}" type="datetimeFigureOut">
               <a:rPr lang="ko-KR" altLang="en-US" smtClean="0"/>
-              <a:t>2020-02-06</a:t>
+              <a:t>2020-02-13</a:t>
             </a:fld>
             <a:endParaRPr lang="ko-KR" altLang="en-US"/>
           </a:p>
@@ -2364,7 +2367,7 @@
           <a:p>
             <a:fld id="{1E6EF555-57B8-4331-8402-F994EAA112C5}" type="datetimeFigureOut">
               <a:rPr lang="ko-KR" altLang="en-US" smtClean="0"/>
-              <a:t>2020-02-06</a:t>
+              <a:t>2020-02-13</a:t>
             </a:fld>
             <a:endParaRPr lang="ko-KR" altLang="en-US"/>
           </a:p>
@@ -2577,7 +2580,7 @@
           <a:p>
             <a:fld id="{1E6EF555-57B8-4331-8402-F994EAA112C5}" type="datetimeFigureOut">
               <a:rPr lang="ko-KR" altLang="en-US" smtClean="0"/>
-              <a:t>2020-02-06</a:t>
+              <a:t>2020-02-13</a:t>
             </a:fld>
             <a:endParaRPr lang="ko-KR" altLang="en-US"/>
           </a:p>
@@ -5185,6 +5188,2431 @@
 </p:sld>
 </file>
 
+<file path=ppt/slides/slide15.xml><?xml version="1.0" encoding="utf-8"?>
+<p:sld xmlns:a="http://schemas.openxmlformats.org/drawingml/2006/main" xmlns:r="http://schemas.openxmlformats.org/officeDocument/2006/relationships" xmlns:p="http://schemas.openxmlformats.org/presentationml/2006/main">
+  <p:cSld>
+    <p:spTree>
+      <p:nvGrpSpPr>
+        <p:cNvPr id="1" name=""/>
+        <p:cNvGrpSpPr/>
+        <p:nvPr/>
+      </p:nvGrpSpPr>
+      <p:grpSpPr>
+        <a:xfrm>
+          <a:off x="0" y="0"/>
+          <a:ext cx="0" cy="0"/>
+          <a:chOff x="0" y="0"/>
+          <a:chExt cx="0" cy="0"/>
+        </a:xfrm>
+      </p:grpSpPr>
+      <p:pic>
+        <p:nvPicPr>
+          <p:cNvPr id="11" name="그림 10"/>
+          <p:cNvPicPr>
+            <a:picLocks noChangeAspect="1"/>
+          </p:cNvPicPr>
+          <p:nvPr/>
+        </p:nvPicPr>
+        <p:blipFill>
+          <a:blip r:embed="rId2"/>
+          <a:stretch>
+            <a:fillRect/>
+          </a:stretch>
+        </p:blipFill>
+        <p:spPr>
+          <a:xfrm>
+            <a:off x="0" y="57387"/>
+            <a:ext cx="8379014" cy="6719600"/>
+          </a:xfrm>
+          <a:prstGeom prst="rect">
+            <a:avLst/>
+          </a:prstGeom>
+        </p:spPr>
+      </p:pic>
+      <p:sp>
+        <p:nvSpPr>
+          <p:cNvPr id="14" name="제목 1"/>
+          <p:cNvSpPr txBox="1">
+            <a:spLocks/>
+          </p:cNvSpPr>
+          <p:nvPr/>
+        </p:nvSpPr>
+        <p:spPr>
+          <a:xfrm>
+            <a:off x="0" y="2935294"/>
+            <a:ext cx="8379014" cy="1325563"/>
+          </a:xfrm>
+          <a:prstGeom prst="rect">
+            <a:avLst/>
+          </a:prstGeom>
+          <a:solidFill>
+            <a:srgbClr val="333300">
+              <a:alpha val="34902"/>
+            </a:srgbClr>
+          </a:solidFill>
+          <a:ln w="38100">
+            <a:solidFill>
+              <a:srgbClr val="92D050"/>
+            </a:solidFill>
+          </a:ln>
+        </p:spPr>
+        <p:txBody>
+          <a:bodyPr vert="horz" lIns="91440" tIns="45720" rIns="91440" bIns="45720" rtlCol="0" anchor="ctr">
+            <a:normAutofit/>
+          </a:bodyPr>
+          <a:lstStyle>
+            <a:lvl1pPr algn="l" defTabSz="914400" rtl="0" eaLnBrk="1" latinLnBrk="1" hangingPunct="1">
+              <a:lnSpc>
+                <a:spcPct val="90000"/>
+              </a:lnSpc>
+              <a:spcBef>
+                <a:spcPct val="0"/>
+              </a:spcBef>
+              <a:buNone/>
+              <a:defRPr sz="4400" kern="1200">
+                <a:solidFill>
+                  <a:schemeClr val="tx1"/>
+                </a:solidFill>
+                <a:latin typeface="+mj-lt"/>
+                <a:ea typeface="+mj-ea"/>
+                <a:cs typeface="+mj-cs"/>
+              </a:defRPr>
+            </a:lvl1pPr>
+          </a:lstStyle>
+          <a:p>
+            <a:endParaRPr lang="ko-KR" altLang="en-US" sz="3200" b="1" dirty="0"/>
+          </a:p>
+        </p:txBody>
+      </p:sp>
+      <p:sp>
+        <p:nvSpPr>
+          <p:cNvPr id="8" name="제목 1"/>
+          <p:cNvSpPr txBox="1">
+            <a:spLocks/>
+          </p:cNvSpPr>
+          <p:nvPr/>
+        </p:nvSpPr>
+        <p:spPr>
+          <a:xfrm>
+            <a:off x="3493720" y="4355295"/>
+            <a:ext cx="2499266" cy="536610"/>
+          </a:xfrm>
+          <a:prstGeom prst="rect">
+            <a:avLst/>
+          </a:prstGeom>
+          <a:effectLst>
+            <a:glow rad="228600">
+              <a:schemeClr val="accent6">
+                <a:satMod val="175000"/>
+                <a:alpha val="40000"/>
+              </a:schemeClr>
+            </a:glow>
+          </a:effectLst>
+        </p:spPr>
+        <p:txBody>
+          <a:bodyPr vert="horz" lIns="91440" tIns="45720" rIns="91440" bIns="45720" rtlCol="0" anchor="ctr">
+            <a:normAutofit/>
+          </a:bodyPr>
+          <a:lstStyle>
+            <a:lvl1pPr algn="l" defTabSz="914400" rtl="0" eaLnBrk="1" latinLnBrk="1" hangingPunct="1">
+              <a:lnSpc>
+                <a:spcPct val="90000"/>
+              </a:lnSpc>
+              <a:spcBef>
+                <a:spcPct val="0"/>
+              </a:spcBef>
+              <a:buNone/>
+              <a:defRPr sz="4400" kern="1200">
+                <a:solidFill>
+                  <a:schemeClr val="tx1"/>
+                </a:solidFill>
+                <a:latin typeface="+mj-lt"/>
+                <a:ea typeface="+mj-ea"/>
+                <a:cs typeface="+mj-cs"/>
+              </a:defRPr>
+            </a:lvl1pPr>
+          </a:lstStyle>
+          <a:p>
+            <a:r>
+              <a:rPr lang="en-US" altLang="ko-KR" sz="3200" b="1" dirty="0" smtClean="0">
+                <a:solidFill>
+                  <a:schemeClr val="accent6">
+                    <a:lumMod val="40000"/>
+                    <a:lumOff val="60000"/>
+                  </a:schemeClr>
+                </a:solidFill>
+                <a:effectLst>
+                  <a:glow rad="228600">
+                    <a:schemeClr val="accent6">
+                      <a:satMod val="175000"/>
+                      <a:alpha val="40000"/>
+                    </a:schemeClr>
+                  </a:glow>
+                  <a:outerShdw blurRad="38100" dist="38100" dir="2700000" algn="tl">
+                    <a:srgbClr val="000000">
+                      <a:alpha val="43137"/>
+                    </a:srgbClr>
+                  </a:outerShdw>
+                </a:effectLst>
+              </a:rPr>
+              <a:t>Battle-Arm</a:t>
+            </a:r>
+            <a:endParaRPr lang="ko-KR" altLang="en-US" sz="3200" b="1" dirty="0">
+              <a:solidFill>
+                <a:schemeClr val="accent6">
+                  <a:lumMod val="40000"/>
+                  <a:lumOff val="60000"/>
+                </a:schemeClr>
+              </a:solidFill>
+              <a:effectLst>
+                <a:glow rad="228600">
+                  <a:schemeClr val="accent6">
+                    <a:satMod val="175000"/>
+                    <a:alpha val="40000"/>
+                  </a:schemeClr>
+                </a:glow>
+                <a:outerShdw blurRad="38100" dist="38100" dir="2700000" algn="tl">
+                  <a:srgbClr val="000000">
+                    <a:alpha val="43137"/>
+                  </a:srgbClr>
+                </a:outerShdw>
+              </a:effectLst>
+            </a:endParaRPr>
+          </a:p>
+        </p:txBody>
+      </p:sp>
+      <p:sp>
+        <p:nvSpPr>
+          <p:cNvPr id="9" name="제목 1"/>
+          <p:cNvSpPr txBox="1">
+            <a:spLocks/>
+          </p:cNvSpPr>
+          <p:nvPr/>
+        </p:nvSpPr>
+        <p:spPr>
+          <a:xfrm>
+            <a:off x="3455741" y="3467115"/>
+            <a:ext cx="2515954" cy="481411"/>
+          </a:xfrm>
+          <a:prstGeom prst="rect">
+            <a:avLst/>
+          </a:prstGeom>
+          <a:effectLst>
+            <a:glow rad="228600">
+              <a:schemeClr val="accent2">
+                <a:satMod val="175000"/>
+                <a:alpha val="40000"/>
+              </a:schemeClr>
+            </a:glow>
+          </a:effectLst>
+        </p:spPr>
+        <p:txBody>
+          <a:bodyPr vert="horz" lIns="91440" tIns="45720" rIns="91440" bIns="45720" rtlCol="0" anchor="ctr">
+            <a:noAutofit/>
+          </a:bodyPr>
+          <a:lstStyle>
+            <a:lvl1pPr algn="l" defTabSz="914400" rtl="0" eaLnBrk="1" latinLnBrk="1" hangingPunct="1">
+              <a:lnSpc>
+                <a:spcPct val="90000"/>
+              </a:lnSpc>
+              <a:spcBef>
+                <a:spcPct val="0"/>
+              </a:spcBef>
+              <a:buNone/>
+              <a:defRPr sz="4400" kern="1200">
+                <a:solidFill>
+                  <a:schemeClr val="tx1"/>
+                </a:solidFill>
+                <a:latin typeface="+mj-lt"/>
+                <a:ea typeface="+mj-ea"/>
+                <a:cs typeface="+mj-cs"/>
+              </a:defRPr>
+            </a:lvl1pPr>
+          </a:lstStyle>
+          <a:p>
+            <a:r>
+              <a:rPr lang="en-US" altLang="ko-KR" sz="3200" b="1" dirty="0" smtClean="0">
+                <a:solidFill>
+                  <a:srgbClr val="FF0000"/>
+                </a:solidFill>
+                <a:effectLst>
+                  <a:glow rad="228600">
+                    <a:schemeClr val="accent2">
+                      <a:satMod val="175000"/>
+                      <a:alpha val="40000"/>
+                    </a:schemeClr>
+                  </a:glow>
+                  <a:outerShdw blurRad="38100" dist="38100" dir="2700000" algn="tl">
+                    <a:srgbClr val="000000">
+                      <a:alpha val="43137"/>
+                    </a:srgbClr>
+                  </a:outerShdw>
+                </a:effectLst>
+              </a:rPr>
+              <a:t>Plasma-Gun</a:t>
+            </a:r>
+            <a:endParaRPr lang="ko-KR" altLang="en-US" sz="3200" b="1" dirty="0">
+              <a:solidFill>
+                <a:srgbClr val="FF0000"/>
+              </a:solidFill>
+              <a:effectLst>
+                <a:glow rad="228600">
+                  <a:schemeClr val="accent2">
+                    <a:satMod val="175000"/>
+                    <a:alpha val="40000"/>
+                  </a:schemeClr>
+                </a:glow>
+                <a:outerShdw blurRad="38100" dist="38100" dir="2700000" algn="tl">
+                  <a:srgbClr val="000000">
+                    <a:alpha val="43137"/>
+                  </a:srgbClr>
+                </a:outerShdw>
+              </a:effectLst>
+            </a:endParaRPr>
+          </a:p>
+        </p:txBody>
+      </p:sp>
+      <p:sp>
+        <p:nvSpPr>
+          <p:cNvPr id="5" name="제목 1"/>
+          <p:cNvSpPr txBox="1">
+            <a:spLocks/>
+          </p:cNvSpPr>
+          <p:nvPr/>
+        </p:nvSpPr>
+        <p:spPr>
+          <a:xfrm>
+            <a:off x="1252527" y="2935294"/>
+            <a:ext cx="2648339" cy="1325563"/>
+          </a:xfrm>
+          <a:prstGeom prst="rect">
+            <a:avLst/>
+          </a:prstGeom>
+          <a:effectLst>
+            <a:outerShdw blurRad="50800" dist="38100" dir="2700000" algn="tl" rotWithShape="0">
+              <a:prstClr val="black">
+                <a:alpha val="40000"/>
+              </a:prstClr>
+            </a:outerShdw>
+          </a:effectLst>
+        </p:spPr>
+        <p:txBody>
+          <a:bodyPr vert="horz" lIns="91440" tIns="45720" rIns="91440" bIns="45720" rtlCol="0" anchor="ctr">
+            <a:normAutofit/>
+          </a:bodyPr>
+          <a:lstStyle>
+            <a:lvl1pPr algn="l" defTabSz="914400" rtl="0" eaLnBrk="1" latinLnBrk="1" hangingPunct="1">
+              <a:lnSpc>
+                <a:spcPct val="90000"/>
+              </a:lnSpc>
+              <a:spcBef>
+                <a:spcPct val="0"/>
+              </a:spcBef>
+              <a:buNone/>
+              <a:defRPr sz="4400" kern="1200">
+                <a:solidFill>
+                  <a:schemeClr val="tx1"/>
+                </a:solidFill>
+                <a:latin typeface="+mj-lt"/>
+                <a:ea typeface="+mj-ea"/>
+                <a:cs typeface="+mj-cs"/>
+              </a:defRPr>
+            </a:lvl1pPr>
+          </a:lstStyle>
+          <a:p>
+            <a:r>
+              <a:rPr lang="en-US" altLang="ko-KR" b="1" i="1" dirty="0" smtClean="0">
+                <a:solidFill>
+                  <a:schemeClr val="accent6">
+                    <a:lumMod val="20000"/>
+                    <a:lumOff val="80000"/>
+                  </a:schemeClr>
+                </a:solidFill>
+                <a:effectLst>
+                  <a:glow rad="228600">
+                    <a:schemeClr val="accent6">
+                      <a:satMod val="175000"/>
+                      <a:alpha val="40000"/>
+                    </a:schemeClr>
+                  </a:glow>
+                </a:effectLst>
+              </a:rPr>
+              <a:t>Plug In</a:t>
+            </a:r>
+            <a:endParaRPr lang="ko-KR" altLang="en-US" b="1" i="1" dirty="0">
+              <a:solidFill>
+                <a:schemeClr val="accent6">
+                  <a:lumMod val="20000"/>
+                  <a:lumOff val="80000"/>
+                </a:schemeClr>
+              </a:solidFill>
+              <a:effectLst>
+                <a:glow rad="228600">
+                  <a:schemeClr val="accent6">
+                    <a:satMod val="175000"/>
+                    <a:alpha val="40000"/>
+                  </a:schemeClr>
+                </a:glow>
+              </a:effectLst>
+            </a:endParaRPr>
+          </a:p>
+        </p:txBody>
+      </p:sp>
+      <p:pic>
+        <p:nvPicPr>
+          <p:cNvPr id="13" name="그림 12"/>
+          <p:cNvPicPr>
+            <a:picLocks noChangeAspect="1"/>
+          </p:cNvPicPr>
+          <p:nvPr/>
+        </p:nvPicPr>
+        <p:blipFill>
+          <a:blip r:embed="rId3"/>
+          <a:stretch>
+            <a:fillRect/>
+          </a:stretch>
+        </p:blipFill>
+        <p:spPr>
+          <a:xfrm>
+            <a:off x="6264526" y="3298037"/>
+            <a:ext cx="581025" cy="600075"/>
+          </a:xfrm>
+          <a:prstGeom prst="rect">
+            <a:avLst/>
+          </a:prstGeom>
+          <a:effectLst>
+            <a:outerShdw blurRad="50800" dist="38100" dir="2700000" algn="tl" rotWithShape="0">
+              <a:prstClr val="black">
+                <a:alpha val="40000"/>
+              </a:prstClr>
+            </a:outerShdw>
+          </a:effectLst>
+        </p:spPr>
+      </p:pic>
+      <p:pic>
+        <p:nvPicPr>
+          <p:cNvPr id="20" name="그림 19"/>
+          <p:cNvPicPr>
+            <a:picLocks noChangeAspect="1"/>
+          </p:cNvPicPr>
+          <p:nvPr/>
+        </p:nvPicPr>
+        <p:blipFill>
+          <a:blip r:embed="rId4"/>
+          <a:stretch>
+            <a:fillRect/>
+          </a:stretch>
+        </p:blipFill>
+        <p:spPr>
+          <a:xfrm>
+            <a:off x="6264526" y="4337810"/>
+            <a:ext cx="562053" cy="571580"/>
+          </a:xfrm>
+          <a:prstGeom prst="rect">
+            <a:avLst/>
+          </a:prstGeom>
+        </p:spPr>
+      </p:pic>
+      <p:sp>
+        <p:nvSpPr>
+          <p:cNvPr id="21" name="제목 1"/>
+          <p:cNvSpPr txBox="1">
+            <a:spLocks/>
+          </p:cNvSpPr>
+          <p:nvPr/>
+        </p:nvSpPr>
+        <p:spPr>
+          <a:xfrm>
+            <a:off x="8570182" y="1731304"/>
+            <a:ext cx="2515954" cy="481411"/>
+          </a:xfrm>
+          <a:prstGeom prst="rect">
+            <a:avLst/>
+          </a:prstGeom>
+          <a:effectLst>
+            <a:glow rad="228600">
+              <a:schemeClr val="accent2">
+                <a:satMod val="175000"/>
+                <a:alpha val="40000"/>
+              </a:schemeClr>
+            </a:glow>
+          </a:effectLst>
+        </p:spPr>
+        <p:txBody>
+          <a:bodyPr vert="horz" lIns="91440" tIns="45720" rIns="91440" bIns="45720" rtlCol="0" anchor="ctr">
+            <a:noAutofit/>
+          </a:bodyPr>
+          <a:lstStyle>
+            <a:lvl1pPr algn="l" defTabSz="914400" rtl="0" eaLnBrk="1" latinLnBrk="1" hangingPunct="1">
+              <a:lnSpc>
+                <a:spcPct val="90000"/>
+              </a:lnSpc>
+              <a:spcBef>
+                <a:spcPct val="0"/>
+              </a:spcBef>
+              <a:buNone/>
+              <a:defRPr sz="4400" kern="1200">
+                <a:solidFill>
+                  <a:schemeClr val="tx1"/>
+                </a:solidFill>
+                <a:latin typeface="+mj-lt"/>
+                <a:ea typeface="+mj-ea"/>
+                <a:cs typeface="+mj-cs"/>
+              </a:defRPr>
+            </a:lvl1pPr>
+          </a:lstStyle>
+          <a:p>
+            <a:r>
+              <a:rPr lang="en-US" altLang="ko-KR" sz="3200" b="1" dirty="0" smtClean="0">
+                <a:solidFill>
+                  <a:srgbClr val="FF0000"/>
+                </a:solidFill>
+                <a:effectLst>
+                  <a:glow rad="228600">
+                    <a:schemeClr val="accent2">
+                      <a:satMod val="175000"/>
+                      <a:alpha val="40000"/>
+                    </a:schemeClr>
+                  </a:glow>
+                  <a:outerShdw blurRad="38100" dist="38100" dir="2700000" algn="tl">
+                    <a:srgbClr val="000000">
+                      <a:alpha val="43137"/>
+                    </a:srgbClr>
+                  </a:outerShdw>
+                </a:effectLst>
+              </a:rPr>
+              <a:t>Plasma-Gun</a:t>
+            </a:r>
+            <a:endParaRPr lang="ko-KR" altLang="en-US" sz="3200" b="1" dirty="0">
+              <a:solidFill>
+                <a:srgbClr val="FF0000"/>
+              </a:solidFill>
+              <a:effectLst>
+                <a:glow rad="228600">
+                  <a:schemeClr val="accent2">
+                    <a:satMod val="175000"/>
+                    <a:alpha val="40000"/>
+                  </a:schemeClr>
+                </a:glow>
+                <a:outerShdw blurRad="38100" dist="38100" dir="2700000" algn="tl">
+                  <a:srgbClr val="000000">
+                    <a:alpha val="43137"/>
+                  </a:srgbClr>
+                </a:outerShdw>
+              </a:effectLst>
+            </a:endParaRPr>
+          </a:p>
+        </p:txBody>
+      </p:sp>
+      <p:sp>
+        <p:nvSpPr>
+          <p:cNvPr id="22" name="제목 1"/>
+          <p:cNvSpPr txBox="1">
+            <a:spLocks/>
+          </p:cNvSpPr>
+          <p:nvPr/>
+        </p:nvSpPr>
+        <p:spPr>
+          <a:xfrm>
+            <a:off x="8586870" y="2424121"/>
+            <a:ext cx="2499266" cy="536610"/>
+          </a:xfrm>
+          <a:prstGeom prst="rect">
+            <a:avLst/>
+          </a:prstGeom>
+          <a:effectLst>
+            <a:glow rad="228600">
+              <a:schemeClr val="accent6">
+                <a:satMod val="175000"/>
+                <a:alpha val="40000"/>
+              </a:schemeClr>
+            </a:glow>
+          </a:effectLst>
+        </p:spPr>
+        <p:txBody>
+          <a:bodyPr vert="horz" lIns="91440" tIns="45720" rIns="91440" bIns="45720" rtlCol="0" anchor="ctr">
+            <a:normAutofit/>
+          </a:bodyPr>
+          <a:lstStyle>
+            <a:lvl1pPr algn="l" defTabSz="914400" rtl="0" eaLnBrk="1" latinLnBrk="1" hangingPunct="1">
+              <a:lnSpc>
+                <a:spcPct val="90000"/>
+              </a:lnSpc>
+              <a:spcBef>
+                <a:spcPct val="0"/>
+              </a:spcBef>
+              <a:buNone/>
+              <a:defRPr sz="4400" kern="1200">
+                <a:solidFill>
+                  <a:schemeClr val="tx1"/>
+                </a:solidFill>
+                <a:latin typeface="+mj-lt"/>
+                <a:ea typeface="+mj-ea"/>
+                <a:cs typeface="+mj-cs"/>
+              </a:defRPr>
+            </a:lvl1pPr>
+          </a:lstStyle>
+          <a:p>
+            <a:r>
+              <a:rPr lang="en-US" altLang="ko-KR" sz="3200" b="1" dirty="0" smtClean="0">
+                <a:solidFill>
+                  <a:schemeClr val="accent6">
+                    <a:lumMod val="40000"/>
+                    <a:lumOff val="60000"/>
+                  </a:schemeClr>
+                </a:solidFill>
+                <a:effectLst>
+                  <a:glow rad="228600">
+                    <a:schemeClr val="accent6">
+                      <a:satMod val="175000"/>
+                      <a:alpha val="40000"/>
+                    </a:schemeClr>
+                  </a:glow>
+                  <a:outerShdw blurRad="38100" dist="38100" dir="2700000" algn="tl">
+                    <a:srgbClr val="000000">
+                      <a:alpha val="43137"/>
+                    </a:srgbClr>
+                  </a:outerShdw>
+                </a:effectLst>
+              </a:rPr>
+              <a:t>Battle-Arm</a:t>
+            </a:r>
+            <a:endParaRPr lang="ko-KR" altLang="en-US" sz="3200" b="1" dirty="0">
+              <a:solidFill>
+                <a:schemeClr val="accent6">
+                  <a:lumMod val="40000"/>
+                  <a:lumOff val="60000"/>
+                </a:schemeClr>
+              </a:solidFill>
+              <a:effectLst>
+                <a:glow rad="228600">
+                  <a:schemeClr val="accent6">
+                    <a:satMod val="175000"/>
+                    <a:alpha val="40000"/>
+                  </a:schemeClr>
+                </a:glow>
+                <a:outerShdw blurRad="38100" dist="38100" dir="2700000" algn="tl">
+                  <a:srgbClr val="000000">
+                    <a:alpha val="43137"/>
+                  </a:srgbClr>
+                </a:outerShdw>
+              </a:effectLst>
+            </a:endParaRPr>
+          </a:p>
+        </p:txBody>
+      </p:sp>
+      <p:pic>
+        <p:nvPicPr>
+          <p:cNvPr id="23" name="그림 22"/>
+          <p:cNvPicPr>
+            <a:picLocks noChangeAspect="1"/>
+          </p:cNvPicPr>
+          <p:nvPr/>
+        </p:nvPicPr>
+        <p:blipFill>
+          <a:blip r:embed="rId3"/>
+          <a:stretch>
+            <a:fillRect/>
+          </a:stretch>
+        </p:blipFill>
+        <p:spPr>
+          <a:xfrm>
+            <a:off x="11086136" y="1642039"/>
+            <a:ext cx="581025" cy="600075"/>
+          </a:xfrm>
+          <a:prstGeom prst="rect">
+            <a:avLst/>
+          </a:prstGeom>
+          <a:effectLst>
+            <a:outerShdw blurRad="50800" dist="38100" dir="2700000" algn="tl" rotWithShape="0">
+              <a:prstClr val="black">
+                <a:alpha val="40000"/>
+              </a:prstClr>
+            </a:outerShdw>
+          </a:effectLst>
+        </p:spPr>
+      </p:pic>
+      <p:pic>
+        <p:nvPicPr>
+          <p:cNvPr id="24" name="그림 23"/>
+          <p:cNvPicPr>
+            <a:picLocks noChangeAspect="1"/>
+          </p:cNvPicPr>
+          <p:nvPr/>
+        </p:nvPicPr>
+        <p:blipFill>
+          <a:blip r:embed="rId4"/>
+          <a:stretch>
+            <a:fillRect/>
+          </a:stretch>
+        </p:blipFill>
+        <p:spPr>
+          <a:xfrm>
+            <a:off x="11095621" y="2424121"/>
+            <a:ext cx="562053" cy="571580"/>
+          </a:xfrm>
+          <a:prstGeom prst="rect">
+            <a:avLst/>
+          </a:prstGeom>
+        </p:spPr>
+      </p:pic>
+    </p:spTree>
+    <p:extLst>
+      <p:ext uri="{BB962C8B-B14F-4D97-AF65-F5344CB8AC3E}">
+        <p14:creationId xmlns:p14="http://schemas.microsoft.com/office/powerpoint/2010/main" val="1004208173"/>
+      </p:ext>
+    </p:extLst>
+  </p:cSld>
+  <p:clrMapOvr>
+    <a:masterClrMapping/>
+  </p:clrMapOvr>
+</p:sld>
+</file>
+
+<file path=ppt/slides/slide16.xml><?xml version="1.0" encoding="utf-8"?>
+<p:sld xmlns:a="http://schemas.openxmlformats.org/drawingml/2006/main" xmlns:r="http://schemas.openxmlformats.org/officeDocument/2006/relationships" xmlns:p="http://schemas.openxmlformats.org/presentationml/2006/main">
+  <p:cSld>
+    <p:spTree>
+      <p:nvGrpSpPr>
+        <p:cNvPr id="1" name=""/>
+        <p:cNvGrpSpPr/>
+        <p:nvPr/>
+      </p:nvGrpSpPr>
+      <p:grpSpPr>
+        <a:xfrm>
+          <a:off x="0" y="0"/>
+          <a:ext cx="0" cy="0"/>
+          <a:chOff x="0" y="0"/>
+          <a:chExt cx="0" cy="0"/>
+        </a:xfrm>
+      </p:grpSpPr>
+      <p:pic>
+        <p:nvPicPr>
+          <p:cNvPr id="11" name="그림 10"/>
+          <p:cNvPicPr>
+            <a:picLocks noChangeAspect="1"/>
+          </p:cNvPicPr>
+          <p:nvPr/>
+        </p:nvPicPr>
+        <p:blipFill>
+          <a:blip r:embed="rId2"/>
+          <a:stretch>
+            <a:fillRect/>
+          </a:stretch>
+        </p:blipFill>
+        <p:spPr>
+          <a:xfrm>
+            <a:off x="0" y="57387"/>
+            <a:ext cx="8379014" cy="6719600"/>
+          </a:xfrm>
+          <a:prstGeom prst="rect">
+            <a:avLst/>
+          </a:prstGeom>
+        </p:spPr>
+      </p:pic>
+      <p:sp>
+        <p:nvSpPr>
+          <p:cNvPr id="14" name="제목 1"/>
+          <p:cNvSpPr txBox="1">
+            <a:spLocks/>
+          </p:cNvSpPr>
+          <p:nvPr/>
+        </p:nvSpPr>
+        <p:spPr>
+          <a:xfrm>
+            <a:off x="0" y="2935294"/>
+            <a:ext cx="8379014" cy="1325563"/>
+          </a:xfrm>
+          <a:prstGeom prst="rect">
+            <a:avLst/>
+          </a:prstGeom>
+          <a:solidFill>
+            <a:srgbClr val="333300">
+              <a:alpha val="34902"/>
+            </a:srgbClr>
+          </a:solidFill>
+          <a:ln w="38100">
+            <a:solidFill>
+              <a:schemeClr val="accent1">
+                <a:lumMod val="60000"/>
+                <a:lumOff val="40000"/>
+              </a:schemeClr>
+            </a:solidFill>
+          </a:ln>
+        </p:spPr>
+        <p:txBody>
+          <a:bodyPr vert="horz" lIns="91440" tIns="45720" rIns="91440" bIns="45720" rtlCol="0" anchor="ctr">
+            <a:normAutofit/>
+          </a:bodyPr>
+          <a:lstStyle>
+            <a:lvl1pPr algn="l" defTabSz="914400" rtl="0" eaLnBrk="1" latinLnBrk="1" hangingPunct="1">
+              <a:lnSpc>
+                <a:spcPct val="90000"/>
+              </a:lnSpc>
+              <a:spcBef>
+                <a:spcPct val="0"/>
+              </a:spcBef>
+              <a:buNone/>
+              <a:defRPr sz="4400" kern="1200">
+                <a:solidFill>
+                  <a:schemeClr val="tx1"/>
+                </a:solidFill>
+                <a:latin typeface="+mj-lt"/>
+                <a:ea typeface="+mj-ea"/>
+                <a:cs typeface="+mj-cs"/>
+              </a:defRPr>
+            </a:lvl1pPr>
+          </a:lstStyle>
+          <a:p>
+            <a:endParaRPr lang="ko-KR" altLang="en-US" sz="3200" b="1" dirty="0"/>
+          </a:p>
+        </p:txBody>
+      </p:sp>
+      <p:sp>
+        <p:nvSpPr>
+          <p:cNvPr id="2" name="제목 1"/>
+          <p:cNvSpPr>
+            <a:spLocks noGrp="1"/>
+          </p:cNvSpPr>
+          <p:nvPr>
+            <p:ph type="title"/>
+          </p:nvPr>
+        </p:nvSpPr>
+        <p:spPr>
+          <a:xfrm>
+            <a:off x="9891596" y="69198"/>
+            <a:ext cx="1963149" cy="1325563"/>
+          </a:xfrm>
+        </p:spPr>
+        <p:txBody>
+          <a:bodyPr>
+            <a:normAutofit/>
+          </a:bodyPr>
+          <a:lstStyle/>
+          <a:p>
+            <a:r>
+              <a:rPr lang="en-US" altLang="ko-KR" sz="3200" dirty="0" smtClean="0"/>
+              <a:t>Module</a:t>
+            </a:r>
+            <a:endParaRPr lang="ko-KR" altLang="en-US" sz="3200" dirty="0"/>
+          </a:p>
+        </p:txBody>
+      </p:sp>
+      <p:sp>
+        <p:nvSpPr>
+          <p:cNvPr id="5" name="제목 1"/>
+          <p:cNvSpPr txBox="1">
+            <a:spLocks/>
+          </p:cNvSpPr>
+          <p:nvPr/>
+        </p:nvSpPr>
+        <p:spPr>
+          <a:xfrm>
+            <a:off x="1266524" y="2935294"/>
+            <a:ext cx="3138866" cy="1325563"/>
+          </a:xfrm>
+          <a:prstGeom prst="rect">
+            <a:avLst/>
+          </a:prstGeom>
+          <a:effectLst>
+            <a:outerShdw blurRad="50800" dist="38100" dir="2700000" algn="tl" rotWithShape="0">
+              <a:prstClr val="black">
+                <a:alpha val="40000"/>
+              </a:prstClr>
+            </a:outerShdw>
+          </a:effectLst>
+        </p:spPr>
+        <p:txBody>
+          <a:bodyPr vert="horz" lIns="91440" tIns="45720" rIns="91440" bIns="45720" rtlCol="0" anchor="ctr">
+            <a:normAutofit/>
+          </a:bodyPr>
+          <a:lstStyle>
+            <a:lvl1pPr algn="l" defTabSz="914400" rtl="0" eaLnBrk="1" latinLnBrk="1" hangingPunct="1">
+              <a:lnSpc>
+                <a:spcPct val="90000"/>
+              </a:lnSpc>
+              <a:spcBef>
+                <a:spcPct val="0"/>
+              </a:spcBef>
+              <a:buNone/>
+              <a:defRPr sz="4400" kern="1200">
+                <a:solidFill>
+                  <a:schemeClr val="tx1"/>
+                </a:solidFill>
+                <a:latin typeface="+mj-lt"/>
+                <a:ea typeface="+mj-ea"/>
+                <a:cs typeface="+mj-cs"/>
+              </a:defRPr>
+            </a:lvl1pPr>
+          </a:lstStyle>
+          <a:p>
+            <a:r>
+              <a:rPr lang="en-US" altLang="ko-KR" b="1" i="1" dirty="0" smtClean="0">
+                <a:solidFill>
+                  <a:schemeClr val="accent6">
+                    <a:lumMod val="20000"/>
+                    <a:lumOff val="80000"/>
+                  </a:schemeClr>
+                </a:solidFill>
+                <a:effectLst>
+                  <a:glow rad="228600">
+                    <a:schemeClr val="accent6">
+                      <a:satMod val="175000"/>
+                      <a:alpha val="40000"/>
+                    </a:schemeClr>
+                  </a:glow>
+                </a:effectLst>
+              </a:rPr>
+              <a:t>Initializing</a:t>
+            </a:r>
+            <a:endParaRPr lang="ko-KR" altLang="en-US" b="1" i="1" dirty="0">
+              <a:solidFill>
+                <a:schemeClr val="accent6">
+                  <a:lumMod val="20000"/>
+                  <a:lumOff val="80000"/>
+                </a:schemeClr>
+              </a:solidFill>
+              <a:effectLst>
+                <a:glow rad="228600">
+                  <a:schemeClr val="accent6">
+                    <a:satMod val="175000"/>
+                    <a:alpha val="40000"/>
+                  </a:schemeClr>
+                </a:glow>
+              </a:effectLst>
+            </a:endParaRPr>
+          </a:p>
+        </p:txBody>
+      </p:sp>
+      <p:sp>
+        <p:nvSpPr>
+          <p:cNvPr id="15" name="제목 1"/>
+          <p:cNvSpPr txBox="1">
+            <a:spLocks/>
+          </p:cNvSpPr>
+          <p:nvPr/>
+        </p:nvSpPr>
+        <p:spPr>
+          <a:xfrm>
+            <a:off x="8511751" y="1194981"/>
+            <a:ext cx="2148004" cy="786920"/>
+          </a:xfrm>
+          <a:prstGeom prst="rect">
+            <a:avLst/>
+          </a:prstGeom>
+        </p:spPr>
+        <p:txBody>
+          <a:bodyPr vert="horz" lIns="91440" tIns="45720" rIns="91440" bIns="45720" rtlCol="0" anchor="ctr">
+            <a:normAutofit/>
+          </a:bodyPr>
+          <a:lstStyle>
+            <a:lvl1pPr algn="l" defTabSz="914400" rtl="0" eaLnBrk="1" latinLnBrk="1" hangingPunct="1">
+              <a:lnSpc>
+                <a:spcPct val="90000"/>
+              </a:lnSpc>
+              <a:spcBef>
+                <a:spcPct val="0"/>
+              </a:spcBef>
+              <a:buNone/>
+              <a:defRPr sz="4400" kern="1200">
+                <a:solidFill>
+                  <a:schemeClr val="tx1"/>
+                </a:solidFill>
+                <a:latin typeface="+mj-lt"/>
+                <a:ea typeface="+mj-ea"/>
+                <a:cs typeface="+mj-cs"/>
+              </a:defRPr>
+            </a:lvl1pPr>
+          </a:lstStyle>
+          <a:p>
+            <a:r>
+              <a:rPr lang="en-US" altLang="ko-KR" sz="2400" b="1" dirty="0" err="1" smtClean="0">
+                <a:solidFill>
+                  <a:schemeClr val="bg1"/>
+                </a:solidFill>
+                <a:effectLst>
+                  <a:glow rad="228600">
+                    <a:schemeClr val="accent1">
+                      <a:satMod val="175000"/>
+                      <a:alpha val="40000"/>
+                    </a:schemeClr>
+                  </a:glow>
+                </a:effectLst>
+              </a:rPr>
+              <a:t>RefleX</a:t>
+            </a:r>
+            <a:r>
+              <a:rPr lang="en-US" altLang="ko-KR" sz="2400" b="1" dirty="0" smtClean="0">
+                <a:solidFill>
+                  <a:schemeClr val="bg1"/>
+                </a:solidFill>
+                <a:effectLst>
+                  <a:glow rad="228600">
+                    <a:schemeClr val="accent1">
+                      <a:satMod val="175000"/>
+                      <a:alpha val="40000"/>
+                    </a:schemeClr>
+                  </a:glow>
+                </a:effectLst>
+              </a:rPr>
+              <a:t>-shield</a:t>
+            </a:r>
+            <a:endParaRPr lang="ko-KR" altLang="en-US" sz="2400" b="1" dirty="0">
+              <a:solidFill>
+                <a:schemeClr val="bg1"/>
+              </a:solidFill>
+              <a:effectLst>
+                <a:glow rad="228600">
+                  <a:schemeClr val="accent1">
+                    <a:satMod val="175000"/>
+                    <a:alpha val="40000"/>
+                  </a:schemeClr>
+                </a:glow>
+              </a:effectLst>
+            </a:endParaRPr>
+          </a:p>
+        </p:txBody>
+      </p:sp>
+      <p:sp>
+        <p:nvSpPr>
+          <p:cNvPr id="16" name="제목 1"/>
+          <p:cNvSpPr txBox="1">
+            <a:spLocks/>
+          </p:cNvSpPr>
+          <p:nvPr/>
+        </p:nvSpPr>
+        <p:spPr>
+          <a:xfrm>
+            <a:off x="8511751" y="2078894"/>
+            <a:ext cx="1963149" cy="538643"/>
+          </a:xfrm>
+          <a:prstGeom prst="rect">
+            <a:avLst/>
+          </a:prstGeom>
+        </p:spPr>
+        <p:txBody>
+          <a:bodyPr vert="horz" lIns="91440" tIns="45720" rIns="91440" bIns="45720" rtlCol="0" anchor="ctr">
+            <a:normAutofit/>
+          </a:bodyPr>
+          <a:lstStyle>
+            <a:lvl1pPr algn="l" defTabSz="914400" rtl="0" eaLnBrk="1" latinLnBrk="1" hangingPunct="1">
+              <a:lnSpc>
+                <a:spcPct val="90000"/>
+              </a:lnSpc>
+              <a:spcBef>
+                <a:spcPct val="0"/>
+              </a:spcBef>
+              <a:buNone/>
+              <a:defRPr sz="4400" kern="1200">
+                <a:solidFill>
+                  <a:schemeClr val="tx1"/>
+                </a:solidFill>
+                <a:latin typeface="+mj-lt"/>
+                <a:ea typeface="+mj-ea"/>
+                <a:cs typeface="+mj-cs"/>
+              </a:defRPr>
+            </a:lvl1pPr>
+          </a:lstStyle>
+          <a:p>
+            <a:r>
+              <a:rPr lang="en-US" altLang="ko-KR" sz="2400" b="1" dirty="0" smtClean="0">
+                <a:solidFill>
+                  <a:schemeClr val="accent1">
+                    <a:lumMod val="20000"/>
+                    <a:lumOff val="80000"/>
+                  </a:schemeClr>
+                </a:solidFill>
+                <a:effectLst>
+                  <a:glow rad="228600">
+                    <a:schemeClr val="accent1">
+                      <a:satMod val="175000"/>
+                      <a:alpha val="40000"/>
+                    </a:schemeClr>
+                  </a:glow>
+                </a:effectLst>
+              </a:rPr>
+              <a:t>EMP-Nova</a:t>
+            </a:r>
+            <a:endParaRPr lang="ko-KR" altLang="en-US" sz="2400" b="1" dirty="0">
+              <a:solidFill>
+                <a:schemeClr val="accent1">
+                  <a:lumMod val="20000"/>
+                  <a:lumOff val="80000"/>
+                </a:schemeClr>
+              </a:solidFill>
+              <a:effectLst>
+                <a:glow rad="228600">
+                  <a:schemeClr val="accent1">
+                    <a:satMod val="175000"/>
+                    <a:alpha val="40000"/>
+                  </a:schemeClr>
+                </a:glow>
+              </a:effectLst>
+            </a:endParaRPr>
+          </a:p>
+        </p:txBody>
+      </p:sp>
+      <p:sp>
+        <p:nvSpPr>
+          <p:cNvPr id="17" name="제목 1"/>
+          <p:cNvSpPr txBox="1">
+            <a:spLocks/>
+          </p:cNvSpPr>
+          <p:nvPr/>
+        </p:nvSpPr>
+        <p:spPr>
+          <a:xfrm>
+            <a:off x="8490713" y="2675953"/>
+            <a:ext cx="1963149" cy="538643"/>
+          </a:xfrm>
+          <a:prstGeom prst="rect">
+            <a:avLst/>
+          </a:prstGeom>
+          <a:effectLst>
+            <a:glow rad="228600">
+              <a:schemeClr val="accent5">
+                <a:satMod val="175000"/>
+                <a:alpha val="40000"/>
+              </a:schemeClr>
+            </a:glow>
+          </a:effectLst>
+        </p:spPr>
+        <p:txBody>
+          <a:bodyPr vert="horz" lIns="91440" tIns="45720" rIns="91440" bIns="45720" rtlCol="0" anchor="ctr">
+            <a:normAutofit/>
+          </a:bodyPr>
+          <a:lstStyle>
+            <a:lvl1pPr algn="l" defTabSz="914400" rtl="0" eaLnBrk="1" latinLnBrk="1" hangingPunct="1">
+              <a:lnSpc>
+                <a:spcPct val="90000"/>
+              </a:lnSpc>
+              <a:spcBef>
+                <a:spcPct val="0"/>
+              </a:spcBef>
+              <a:buNone/>
+              <a:defRPr sz="4400" kern="1200">
+                <a:solidFill>
+                  <a:schemeClr val="tx1"/>
+                </a:solidFill>
+                <a:latin typeface="+mj-lt"/>
+                <a:ea typeface="+mj-ea"/>
+                <a:cs typeface="+mj-cs"/>
+              </a:defRPr>
+            </a:lvl1pPr>
+          </a:lstStyle>
+          <a:p>
+            <a:r>
+              <a:rPr lang="en-US" altLang="ko-KR" sz="2400" b="1" dirty="0" smtClean="0">
+                <a:solidFill>
+                  <a:schemeClr val="bg1"/>
+                </a:solidFill>
+                <a:effectLst>
+                  <a:glow rad="228600">
+                    <a:schemeClr val="accent5">
+                      <a:satMod val="175000"/>
+                      <a:alpha val="40000"/>
+                    </a:schemeClr>
+                  </a:glow>
+                </a:effectLst>
+              </a:rPr>
+              <a:t>Pulse-Gear</a:t>
+            </a:r>
+            <a:endParaRPr lang="ko-KR" altLang="en-US" sz="2400" b="1" dirty="0">
+              <a:solidFill>
+                <a:schemeClr val="bg1"/>
+              </a:solidFill>
+              <a:effectLst>
+                <a:glow rad="228600">
+                  <a:schemeClr val="accent5">
+                    <a:satMod val="175000"/>
+                    <a:alpha val="40000"/>
+                  </a:schemeClr>
+                </a:glow>
+              </a:effectLst>
+            </a:endParaRPr>
+          </a:p>
+        </p:txBody>
+      </p:sp>
+      <p:sp>
+        <p:nvSpPr>
+          <p:cNvPr id="18" name="제목 1"/>
+          <p:cNvSpPr txBox="1">
+            <a:spLocks/>
+          </p:cNvSpPr>
+          <p:nvPr/>
+        </p:nvSpPr>
+        <p:spPr>
+          <a:xfrm>
+            <a:off x="8511750" y="3402085"/>
+            <a:ext cx="1963149" cy="538643"/>
+          </a:xfrm>
+          <a:prstGeom prst="rect">
+            <a:avLst/>
+          </a:prstGeom>
+          <a:effectLst>
+            <a:glow rad="228600">
+              <a:srgbClr val="7030A0">
+                <a:alpha val="40000"/>
+              </a:srgbClr>
+            </a:glow>
+          </a:effectLst>
+        </p:spPr>
+        <p:txBody>
+          <a:bodyPr vert="horz" lIns="91440" tIns="45720" rIns="91440" bIns="45720" rtlCol="0" anchor="ctr">
+            <a:normAutofit fontScale="92500"/>
+          </a:bodyPr>
+          <a:lstStyle>
+            <a:lvl1pPr algn="l" defTabSz="914400" rtl="0" eaLnBrk="1" latinLnBrk="1" hangingPunct="1">
+              <a:lnSpc>
+                <a:spcPct val="90000"/>
+              </a:lnSpc>
+              <a:spcBef>
+                <a:spcPct val="0"/>
+              </a:spcBef>
+              <a:buNone/>
+              <a:defRPr sz="4400" kern="1200">
+                <a:solidFill>
+                  <a:schemeClr val="tx1"/>
+                </a:solidFill>
+                <a:latin typeface="+mj-lt"/>
+                <a:ea typeface="+mj-ea"/>
+                <a:cs typeface="+mj-cs"/>
+              </a:defRPr>
+            </a:lvl1pPr>
+          </a:lstStyle>
+          <a:p>
+            <a:r>
+              <a:rPr lang="en-US" altLang="ko-KR" sz="2400" b="1" dirty="0" smtClean="0">
+                <a:solidFill>
+                  <a:schemeClr val="bg1"/>
+                </a:solidFill>
+                <a:effectLst>
+                  <a:glow rad="139700">
+                    <a:srgbClr val="7030A0">
+                      <a:alpha val="40000"/>
+                    </a:srgbClr>
+                  </a:glow>
+                </a:effectLst>
+              </a:rPr>
+              <a:t>Warp-Plasma</a:t>
+            </a:r>
+            <a:endParaRPr lang="ko-KR" altLang="en-US" sz="2400" b="1" dirty="0">
+              <a:solidFill>
+                <a:schemeClr val="bg1"/>
+              </a:solidFill>
+              <a:effectLst>
+                <a:glow rad="139700">
+                  <a:srgbClr val="7030A0">
+                    <a:alpha val="40000"/>
+                  </a:srgbClr>
+                </a:glow>
+              </a:effectLst>
+            </a:endParaRPr>
+          </a:p>
+        </p:txBody>
+      </p:sp>
+      <p:sp>
+        <p:nvSpPr>
+          <p:cNvPr id="19" name="제목 1"/>
+          <p:cNvSpPr txBox="1">
+            <a:spLocks/>
+          </p:cNvSpPr>
+          <p:nvPr/>
+        </p:nvSpPr>
+        <p:spPr>
+          <a:xfrm>
+            <a:off x="4405390" y="3359469"/>
+            <a:ext cx="1963149" cy="538643"/>
+          </a:xfrm>
+          <a:prstGeom prst="rect">
+            <a:avLst/>
+          </a:prstGeom>
+          <a:effectLst>
+            <a:glow rad="228600">
+              <a:schemeClr val="accent5">
+                <a:satMod val="175000"/>
+                <a:alpha val="40000"/>
+              </a:schemeClr>
+            </a:glow>
+          </a:effectLst>
+        </p:spPr>
+        <p:txBody>
+          <a:bodyPr vert="horz" lIns="91440" tIns="45720" rIns="91440" bIns="45720" rtlCol="0" anchor="ctr">
+            <a:normAutofit/>
+          </a:bodyPr>
+          <a:lstStyle>
+            <a:lvl1pPr algn="l" defTabSz="914400" rtl="0" eaLnBrk="1" latinLnBrk="1" hangingPunct="1">
+              <a:lnSpc>
+                <a:spcPct val="90000"/>
+              </a:lnSpc>
+              <a:spcBef>
+                <a:spcPct val="0"/>
+              </a:spcBef>
+              <a:buNone/>
+              <a:defRPr sz="4400" kern="1200">
+                <a:solidFill>
+                  <a:schemeClr val="tx1"/>
+                </a:solidFill>
+                <a:latin typeface="+mj-lt"/>
+                <a:ea typeface="+mj-ea"/>
+                <a:cs typeface="+mj-cs"/>
+              </a:defRPr>
+            </a:lvl1pPr>
+          </a:lstStyle>
+          <a:p>
+            <a:r>
+              <a:rPr lang="en-US" altLang="ko-KR" sz="2400" b="1" dirty="0" smtClean="0">
+                <a:solidFill>
+                  <a:schemeClr val="bg1"/>
+                </a:solidFill>
+                <a:effectLst>
+                  <a:glow rad="228600">
+                    <a:schemeClr val="accent5">
+                      <a:satMod val="175000"/>
+                      <a:alpha val="40000"/>
+                    </a:schemeClr>
+                  </a:glow>
+                </a:effectLst>
+              </a:rPr>
+              <a:t>Pulse-Gear</a:t>
+            </a:r>
+            <a:endParaRPr lang="ko-KR" altLang="en-US" sz="2400" b="1" dirty="0">
+              <a:solidFill>
+                <a:schemeClr val="bg1"/>
+              </a:solidFill>
+              <a:effectLst>
+                <a:glow rad="228600">
+                  <a:schemeClr val="accent5">
+                    <a:satMod val="175000"/>
+                    <a:alpha val="40000"/>
+                  </a:schemeClr>
+                </a:glow>
+              </a:effectLst>
+            </a:endParaRPr>
+          </a:p>
+        </p:txBody>
+      </p:sp>
+      <p:pic>
+        <p:nvPicPr>
+          <p:cNvPr id="3" name="그림 2"/>
+          <p:cNvPicPr>
+            <a:picLocks noChangeAspect="1"/>
+          </p:cNvPicPr>
+          <p:nvPr/>
+        </p:nvPicPr>
+        <p:blipFill>
+          <a:blip r:embed="rId3"/>
+          <a:stretch>
+            <a:fillRect/>
+          </a:stretch>
+        </p:blipFill>
+        <p:spPr>
+          <a:xfrm>
+            <a:off x="10873170" y="3384529"/>
+            <a:ext cx="581106" cy="600159"/>
+          </a:xfrm>
+          <a:prstGeom prst="rect">
+            <a:avLst/>
+          </a:prstGeom>
+        </p:spPr>
+      </p:pic>
+      <p:pic>
+        <p:nvPicPr>
+          <p:cNvPr id="4" name="그림 3"/>
+          <p:cNvPicPr>
+            <a:picLocks noChangeAspect="1"/>
+          </p:cNvPicPr>
+          <p:nvPr/>
+        </p:nvPicPr>
+        <p:blipFill>
+          <a:blip r:embed="rId4"/>
+          <a:stretch>
+            <a:fillRect/>
+          </a:stretch>
+        </p:blipFill>
+        <p:spPr>
+          <a:xfrm>
+            <a:off x="10882696" y="2659048"/>
+            <a:ext cx="571580" cy="600159"/>
+          </a:xfrm>
+          <a:prstGeom prst="rect">
+            <a:avLst/>
+          </a:prstGeom>
+        </p:spPr>
+      </p:pic>
+      <p:pic>
+        <p:nvPicPr>
+          <p:cNvPr id="7" name="그림 6"/>
+          <p:cNvPicPr>
+            <a:picLocks noChangeAspect="1"/>
+          </p:cNvPicPr>
+          <p:nvPr/>
+        </p:nvPicPr>
+        <p:blipFill>
+          <a:blip r:embed="rId5"/>
+          <a:stretch>
+            <a:fillRect/>
+          </a:stretch>
+        </p:blipFill>
+        <p:spPr>
+          <a:xfrm>
+            <a:off x="10903734" y="2036431"/>
+            <a:ext cx="562053" cy="581106"/>
+          </a:xfrm>
+          <a:prstGeom prst="rect">
+            <a:avLst/>
+          </a:prstGeom>
+        </p:spPr>
+      </p:pic>
+      <p:pic>
+        <p:nvPicPr>
+          <p:cNvPr id="10" name="그림 9"/>
+          <p:cNvPicPr>
+            <a:picLocks noChangeAspect="1"/>
+          </p:cNvPicPr>
+          <p:nvPr/>
+        </p:nvPicPr>
+        <p:blipFill>
+          <a:blip r:embed="rId6"/>
+          <a:stretch>
+            <a:fillRect/>
+          </a:stretch>
+        </p:blipFill>
+        <p:spPr>
+          <a:xfrm>
+            <a:off x="10903734" y="1358582"/>
+            <a:ext cx="562053" cy="552527"/>
+          </a:xfrm>
+          <a:prstGeom prst="rect">
+            <a:avLst/>
+          </a:prstGeom>
+        </p:spPr>
+      </p:pic>
+      <p:pic>
+        <p:nvPicPr>
+          <p:cNvPr id="21" name="그림 20"/>
+          <p:cNvPicPr>
+            <a:picLocks noChangeAspect="1"/>
+          </p:cNvPicPr>
+          <p:nvPr/>
+        </p:nvPicPr>
+        <p:blipFill>
+          <a:blip r:embed="rId7"/>
+          <a:stretch>
+            <a:fillRect/>
+          </a:stretch>
+        </p:blipFill>
+        <p:spPr>
+          <a:xfrm>
+            <a:off x="10852447" y="4110010"/>
+            <a:ext cx="581106" cy="581106"/>
+          </a:xfrm>
+          <a:prstGeom prst="rect">
+            <a:avLst/>
+          </a:prstGeom>
+        </p:spPr>
+      </p:pic>
+      <p:pic>
+        <p:nvPicPr>
+          <p:cNvPr id="22" name="그림 21"/>
+          <p:cNvPicPr>
+            <a:picLocks noChangeAspect="1"/>
+          </p:cNvPicPr>
+          <p:nvPr/>
+        </p:nvPicPr>
+        <p:blipFill>
+          <a:blip r:embed="rId4"/>
+          <a:stretch>
+            <a:fillRect/>
+          </a:stretch>
+        </p:blipFill>
+        <p:spPr>
+          <a:xfrm>
+            <a:off x="6368539" y="3314813"/>
+            <a:ext cx="571580" cy="600159"/>
+          </a:xfrm>
+          <a:prstGeom prst="rect">
+            <a:avLst/>
+          </a:prstGeom>
+        </p:spPr>
+      </p:pic>
+      <p:sp>
+        <p:nvSpPr>
+          <p:cNvPr id="24" name="제목 1"/>
+          <p:cNvSpPr txBox="1">
+            <a:spLocks/>
+          </p:cNvSpPr>
+          <p:nvPr/>
+        </p:nvSpPr>
+        <p:spPr>
+          <a:xfrm>
+            <a:off x="4405389" y="4339147"/>
+            <a:ext cx="1963149" cy="538643"/>
+          </a:xfrm>
+          <a:prstGeom prst="rect">
+            <a:avLst/>
+          </a:prstGeom>
+          <a:effectLst>
+            <a:glow rad="228600">
+              <a:srgbClr val="7030A0">
+                <a:alpha val="40000"/>
+              </a:srgbClr>
+            </a:glow>
+          </a:effectLst>
+        </p:spPr>
+        <p:txBody>
+          <a:bodyPr vert="horz" lIns="91440" tIns="45720" rIns="91440" bIns="45720" rtlCol="0" anchor="ctr">
+            <a:normAutofit fontScale="92500"/>
+          </a:bodyPr>
+          <a:lstStyle>
+            <a:lvl1pPr algn="l" defTabSz="914400" rtl="0" eaLnBrk="1" latinLnBrk="1" hangingPunct="1">
+              <a:lnSpc>
+                <a:spcPct val="90000"/>
+              </a:lnSpc>
+              <a:spcBef>
+                <a:spcPct val="0"/>
+              </a:spcBef>
+              <a:buNone/>
+              <a:defRPr sz="4400" kern="1200">
+                <a:solidFill>
+                  <a:schemeClr val="tx1"/>
+                </a:solidFill>
+                <a:latin typeface="+mj-lt"/>
+                <a:ea typeface="+mj-ea"/>
+                <a:cs typeface="+mj-cs"/>
+              </a:defRPr>
+            </a:lvl1pPr>
+          </a:lstStyle>
+          <a:p>
+            <a:r>
+              <a:rPr lang="en-US" altLang="ko-KR" sz="2400" b="1" dirty="0" smtClean="0">
+                <a:solidFill>
+                  <a:schemeClr val="bg1"/>
+                </a:solidFill>
+                <a:effectLst>
+                  <a:glow rad="139700">
+                    <a:srgbClr val="7030A0">
+                      <a:alpha val="40000"/>
+                    </a:srgbClr>
+                  </a:glow>
+                </a:effectLst>
+              </a:rPr>
+              <a:t>Warp-Plasma</a:t>
+            </a:r>
+            <a:endParaRPr lang="ko-KR" altLang="en-US" sz="2400" b="1" dirty="0">
+              <a:solidFill>
+                <a:schemeClr val="bg1"/>
+              </a:solidFill>
+              <a:effectLst>
+                <a:glow rad="139700">
+                  <a:srgbClr val="7030A0">
+                    <a:alpha val="40000"/>
+                  </a:srgbClr>
+                </a:glow>
+              </a:effectLst>
+            </a:endParaRPr>
+          </a:p>
+        </p:txBody>
+      </p:sp>
+      <p:sp>
+        <p:nvSpPr>
+          <p:cNvPr id="25" name="제목 1"/>
+          <p:cNvSpPr txBox="1">
+            <a:spLocks/>
+          </p:cNvSpPr>
+          <p:nvPr/>
+        </p:nvSpPr>
+        <p:spPr>
+          <a:xfrm>
+            <a:off x="8511750" y="2078894"/>
+            <a:ext cx="1963149" cy="538643"/>
+          </a:xfrm>
+          <a:prstGeom prst="rect">
+            <a:avLst/>
+          </a:prstGeom>
+        </p:spPr>
+        <p:txBody>
+          <a:bodyPr vert="horz" lIns="91440" tIns="45720" rIns="91440" bIns="45720" rtlCol="0" anchor="ctr">
+            <a:normAutofit/>
+          </a:bodyPr>
+          <a:lstStyle>
+            <a:lvl1pPr algn="l" defTabSz="914400" rtl="0" eaLnBrk="1" latinLnBrk="1" hangingPunct="1">
+              <a:lnSpc>
+                <a:spcPct val="90000"/>
+              </a:lnSpc>
+              <a:spcBef>
+                <a:spcPct val="0"/>
+              </a:spcBef>
+              <a:buNone/>
+              <a:defRPr sz="4400" kern="1200">
+                <a:solidFill>
+                  <a:schemeClr val="tx1"/>
+                </a:solidFill>
+                <a:latin typeface="+mj-lt"/>
+                <a:ea typeface="+mj-ea"/>
+                <a:cs typeface="+mj-cs"/>
+              </a:defRPr>
+            </a:lvl1pPr>
+          </a:lstStyle>
+          <a:p>
+            <a:r>
+              <a:rPr lang="en-US" altLang="ko-KR" sz="2400" b="1" dirty="0" smtClean="0">
+                <a:solidFill>
+                  <a:schemeClr val="accent1">
+                    <a:lumMod val="20000"/>
+                    <a:lumOff val="80000"/>
+                  </a:schemeClr>
+                </a:solidFill>
+                <a:effectLst>
+                  <a:glow rad="228600">
+                    <a:schemeClr val="accent1">
+                      <a:satMod val="175000"/>
+                      <a:alpha val="40000"/>
+                    </a:schemeClr>
+                  </a:glow>
+                </a:effectLst>
+              </a:rPr>
+              <a:t>EMP-Nova</a:t>
+            </a:r>
+            <a:endParaRPr lang="ko-KR" altLang="en-US" sz="2400" b="1" dirty="0">
+              <a:solidFill>
+                <a:schemeClr val="accent1">
+                  <a:lumMod val="20000"/>
+                  <a:lumOff val="80000"/>
+                </a:schemeClr>
+              </a:solidFill>
+              <a:effectLst>
+                <a:glow rad="228600">
+                  <a:schemeClr val="accent1">
+                    <a:satMod val="175000"/>
+                    <a:alpha val="40000"/>
+                  </a:schemeClr>
+                </a:glow>
+              </a:effectLst>
+            </a:endParaRPr>
+          </a:p>
+        </p:txBody>
+      </p:sp>
+      <p:sp>
+        <p:nvSpPr>
+          <p:cNvPr id="26" name="제목 1"/>
+          <p:cNvSpPr txBox="1">
+            <a:spLocks/>
+          </p:cNvSpPr>
+          <p:nvPr/>
+        </p:nvSpPr>
+        <p:spPr>
+          <a:xfrm>
+            <a:off x="4405388" y="4846794"/>
+            <a:ext cx="1963149" cy="538643"/>
+          </a:xfrm>
+          <a:prstGeom prst="rect">
+            <a:avLst/>
+          </a:prstGeom>
+        </p:spPr>
+        <p:txBody>
+          <a:bodyPr vert="horz" lIns="91440" tIns="45720" rIns="91440" bIns="45720" rtlCol="0" anchor="ctr">
+            <a:normAutofit/>
+          </a:bodyPr>
+          <a:lstStyle>
+            <a:lvl1pPr algn="l" defTabSz="914400" rtl="0" eaLnBrk="1" latinLnBrk="1" hangingPunct="1">
+              <a:lnSpc>
+                <a:spcPct val="90000"/>
+              </a:lnSpc>
+              <a:spcBef>
+                <a:spcPct val="0"/>
+              </a:spcBef>
+              <a:buNone/>
+              <a:defRPr sz="4400" kern="1200">
+                <a:solidFill>
+                  <a:schemeClr val="tx1"/>
+                </a:solidFill>
+                <a:latin typeface="+mj-lt"/>
+                <a:ea typeface="+mj-ea"/>
+                <a:cs typeface="+mj-cs"/>
+              </a:defRPr>
+            </a:lvl1pPr>
+          </a:lstStyle>
+          <a:p>
+            <a:r>
+              <a:rPr lang="en-US" altLang="ko-KR" sz="2400" b="1" dirty="0" smtClean="0">
+                <a:solidFill>
+                  <a:schemeClr val="accent1">
+                    <a:lumMod val="20000"/>
+                    <a:lumOff val="80000"/>
+                  </a:schemeClr>
+                </a:solidFill>
+                <a:effectLst>
+                  <a:glow rad="228600">
+                    <a:schemeClr val="accent1">
+                      <a:satMod val="175000"/>
+                      <a:alpha val="40000"/>
+                    </a:schemeClr>
+                  </a:glow>
+                </a:effectLst>
+              </a:rPr>
+              <a:t>EMP-Nova</a:t>
+            </a:r>
+            <a:endParaRPr lang="ko-KR" altLang="en-US" sz="2400" b="1" dirty="0">
+              <a:solidFill>
+                <a:schemeClr val="accent1">
+                  <a:lumMod val="20000"/>
+                  <a:lumOff val="80000"/>
+                </a:schemeClr>
+              </a:solidFill>
+              <a:effectLst>
+                <a:glow rad="228600">
+                  <a:schemeClr val="accent1">
+                    <a:satMod val="175000"/>
+                    <a:alpha val="40000"/>
+                  </a:schemeClr>
+                </a:glow>
+              </a:effectLst>
+            </a:endParaRPr>
+          </a:p>
+        </p:txBody>
+      </p:sp>
+      <p:sp>
+        <p:nvSpPr>
+          <p:cNvPr id="28" name="제목 1"/>
+          <p:cNvSpPr txBox="1">
+            <a:spLocks/>
+          </p:cNvSpPr>
+          <p:nvPr/>
+        </p:nvSpPr>
+        <p:spPr>
+          <a:xfrm>
+            <a:off x="4312961" y="5502323"/>
+            <a:ext cx="2148004" cy="786920"/>
+          </a:xfrm>
+          <a:prstGeom prst="rect">
+            <a:avLst/>
+          </a:prstGeom>
+        </p:spPr>
+        <p:txBody>
+          <a:bodyPr vert="horz" lIns="91440" tIns="45720" rIns="91440" bIns="45720" rtlCol="0" anchor="ctr">
+            <a:normAutofit/>
+          </a:bodyPr>
+          <a:lstStyle>
+            <a:lvl1pPr algn="l" defTabSz="914400" rtl="0" eaLnBrk="1" latinLnBrk="1" hangingPunct="1">
+              <a:lnSpc>
+                <a:spcPct val="90000"/>
+              </a:lnSpc>
+              <a:spcBef>
+                <a:spcPct val="0"/>
+              </a:spcBef>
+              <a:buNone/>
+              <a:defRPr sz="4400" kern="1200">
+                <a:solidFill>
+                  <a:schemeClr val="tx1"/>
+                </a:solidFill>
+                <a:latin typeface="+mj-lt"/>
+                <a:ea typeface="+mj-ea"/>
+                <a:cs typeface="+mj-cs"/>
+              </a:defRPr>
+            </a:lvl1pPr>
+          </a:lstStyle>
+          <a:p>
+            <a:r>
+              <a:rPr lang="en-US" altLang="ko-KR" sz="2400" b="1" dirty="0" err="1" smtClean="0">
+                <a:solidFill>
+                  <a:schemeClr val="bg1"/>
+                </a:solidFill>
+                <a:effectLst>
+                  <a:glow rad="228600">
+                    <a:schemeClr val="accent1">
+                      <a:satMod val="175000"/>
+                      <a:alpha val="40000"/>
+                    </a:schemeClr>
+                  </a:glow>
+                </a:effectLst>
+              </a:rPr>
+              <a:t>RefleX</a:t>
+            </a:r>
+            <a:r>
+              <a:rPr lang="en-US" altLang="ko-KR" sz="2400" b="1" dirty="0" smtClean="0">
+                <a:solidFill>
+                  <a:schemeClr val="bg1"/>
+                </a:solidFill>
+                <a:effectLst>
+                  <a:glow rad="228600">
+                    <a:schemeClr val="accent1">
+                      <a:satMod val="175000"/>
+                      <a:alpha val="40000"/>
+                    </a:schemeClr>
+                  </a:glow>
+                </a:effectLst>
+              </a:rPr>
+              <a:t>-shield</a:t>
+            </a:r>
+            <a:endParaRPr lang="ko-KR" altLang="en-US" sz="2400" b="1" dirty="0">
+              <a:solidFill>
+                <a:schemeClr val="bg1"/>
+              </a:solidFill>
+              <a:effectLst>
+                <a:glow rad="228600">
+                  <a:schemeClr val="accent1">
+                    <a:satMod val="175000"/>
+                    <a:alpha val="40000"/>
+                  </a:schemeClr>
+                </a:glow>
+              </a:effectLst>
+            </a:endParaRPr>
+          </a:p>
+        </p:txBody>
+      </p:sp>
+      <p:pic>
+        <p:nvPicPr>
+          <p:cNvPr id="29" name="그림 28"/>
+          <p:cNvPicPr>
+            <a:picLocks noChangeAspect="1"/>
+          </p:cNvPicPr>
+          <p:nvPr/>
+        </p:nvPicPr>
+        <p:blipFill>
+          <a:blip r:embed="rId3"/>
+          <a:stretch>
+            <a:fillRect/>
+          </a:stretch>
+        </p:blipFill>
+        <p:spPr>
+          <a:xfrm>
+            <a:off x="6368537" y="4346405"/>
+            <a:ext cx="581106" cy="600159"/>
+          </a:xfrm>
+          <a:prstGeom prst="rect">
+            <a:avLst/>
+          </a:prstGeom>
+        </p:spPr>
+      </p:pic>
+      <p:pic>
+        <p:nvPicPr>
+          <p:cNvPr id="30" name="그림 29"/>
+          <p:cNvPicPr>
+            <a:picLocks noChangeAspect="1"/>
+          </p:cNvPicPr>
+          <p:nvPr/>
+        </p:nvPicPr>
+        <p:blipFill>
+          <a:blip r:embed="rId5"/>
+          <a:stretch>
+            <a:fillRect/>
+          </a:stretch>
+        </p:blipFill>
+        <p:spPr>
+          <a:xfrm>
+            <a:off x="6368537" y="5023775"/>
+            <a:ext cx="562053" cy="581106"/>
+          </a:xfrm>
+          <a:prstGeom prst="rect">
+            <a:avLst/>
+          </a:prstGeom>
+        </p:spPr>
+      </p:pic>
+      <p:pic>
+        <p:nvPicPr>
+          <p:cNvPr id="31" name="그림 30"/>
+          <p:cNvPicPr>
+            <a:picLocks noChangeAspect="1"/>
+          </p:cNvPicPr>
+          <p:nvPr/>
+        </p:nvPicPr>
+        <p:blipFill>
+          <a:blip r:embed="rId6"/>
+          <a:stretch>
+            <a:fillRect/>
+          </a:stretch>
+        </p:blipFill>
+        <p:spPr>
+          <a:xfrm>
+            <a:off x="6378066" y="5682092"/>
+            <a:ext cx="562053" cy="552527"/>
+          </a:xfrm>
+          <a:prstGeom prst="rect">
+            <a:avLst/>
+          </a:prstGeom>
+        </p:spPr>
+      </p:pic>
+      <p:sp>
+        <p:nvSpPr>
+          <p:cNvPr id="32" name="제목 1"/>
+          <p:cNvSpPr txBox="1">
+            <a:spLocks/>
+          </p:cNvSpPr>
+          <p:nvPr/>
+        </p:nvSpPr>
+        <p:spPr>
+          <a:xfrm>
+            <a:off x="8511750" y="4152473"/>
+            <a:ext cx="1963149" cy="538643"/>
+          </a:xfrm>
+          <a:prstGeom prst="rect">
+            <a:avLst/>
+          </a:prstGeom>
+          <a:effectLst>
+            <a:glow rad="228600">
+              <a:srgbClr val="7030A0">
+                <a:alpha val="40000"/>
+              </a:srgbClr>
+            </a:glow>
+          </a:effectLst>
+        </p:spPr>
+        <p:txBody>
+          <a:bodyPr vert="horz" lIns="91440" tIns="45720" rIns="91440" bIns="45720" rtlCol="0" anchor="ctr">
+            <a:normAutofit/>
+          </a:bodyPr>
+          <a:lstStyle>
+            <a:lvl1pPr algn="l" defTabSz="914400" rtl="0" eaLnBrk="1" latinLnBrk="1" hangingPunct="1">
+              <a:lnSpc>
+                <a:spcPct val="90000"/>
+              </a:lnSpc>
+              <a:spcBef>
+                <a:spcPct val="0"/>
+              </a:spcBef>
+              <a:buNone/>
+              <a:defRPr sz="4400" kern="1200">
+                <a:solidFill>
+                  <a:schemeClr val="tx1"/>
+                </a:solidFill>
+                <a:latin typeface="+mj-lt"/>
+                <a:ea typeface="+mj-ea"/>
+                <a:cs typeface="+mj-cs"/>
+              </a:defRPr>
+            </a:lvl1pPr>
+          </a:lstStyle>
+          <a:p>
+            <a:r>
+              <a:rPr lang="en-US" altLang="ko-KR" sz="2400" b="1" dirty="0">
+                <a:solidFill>
+                  <a:schemeClr val="bg1"/>
+                </a:solidFill>
+                <a:effectLst>
+                  <a:glow rad="228600">
+                    <a:schemeClr val="accent2">
+                      <a:satMod val="175000"/>
+                      <a:alpha val="40000"/>
+                    </a:schemeClr>
+                  </a:glow>
+                </a:effectLst>
+              </a:rPr>
+              <a:t>Auto-Turret</a:t>
+            </a:r>
+            <a:endParaRPr lang="ko-KR" altLang="en-US" sz="2400" b="1" dirty="0">
+              <a:solidFill>
+                <a:schemeClr val="bg1"/>
+              </a:solidFill>
+              <a:effectLst>
+                <a:glow rad="228600">
+                  <a:schemeClr val="accent2">
+                    <a:satMod val="175000"/>
+                    <a:alpha val="40000"/>
+                  </a:schemeClr>
+                </a:glow>
+              </a:effectLst>
+            </a:endParaRPr>
+          </a:p>
+        </p:txBody>
+      </p:sp>
+    </p:spTree>
+    <p:extLst>
+      <p:ext uri="{BB962C8B-B14F-4D97-AF65-F5344CB8AC3E}">
+        <p14:creationId xmlns:p14="http://schemas.microsoft.com/office/powerpoint/2010/main" val="265245838"/>
+      </p:ext>
+    </p:extLst>
+  </p:cSld>
+  <p:clrMapOvr>
+    <a:masterClrMapping/>
+  </p:clrMapOvr>
+</p:sld>
+</file>
+
+<file path=ppt/slides/slide17.xml><?xml version="1.0" encoding="utf-8"?>
+<p:sld xmlns:a="http://schemas.openxmlformats.org/drawingml/2006/main" xmlns:r="http://schemas.openxmlformats.org/officeDocument/2006/relationships" xmlns:p="http://schemas.openxmlformats.org/presentationml/2006/main">
+  <p:cSld>
+    <p:spTree>
+      <p:nvGrpSpPr>
+        <p:cNvPr id="1" name=""/>
+        <p:cNvGrpSpPr/>
+        <p:nvPr/>
+      </p:nvGrpSpPr>
+      <p:grpSpPr>
+        <a:xfrm>
+          <a:off x="0" y="0"/>
+          <a:ext cx="0" cy="0"/>
+          <a:chOff x="0" y="0"/>
+          <a:chExt cx="0" cy="0"/>
+        </a:xfrm>
+      </p:grpSpPr>
+      <p:pic>
+        <p:nvPicPr>
+          <p:cNvPr id="11" name="그림 10"/>
+          <p:cNvPicPr>
+            <a:picLocks noChangeAspect="1"/>
+          </p:cNvPicPr>
+          <p:nvPr/>
+        </p:nvPicPr>
+        <p:blipFill>
+          <a:blip r:embed="rId2"/>
+          <a:stretch>
+            <a:fillRect/>
+          </a:stretch>
+        </p:blipFill>
+        <p:spPr>
+          <a:xfrm>
+            <a:off x="2534121" y="304364"/>
+            <a:ext cx="7792537" cy="6249272"/>
+          </a:xfrm>
+          <a:prstGeom prst="rect">
+            <a:avLst/>
+          </a:prstGeom>
+        </p:spPr>
+      </p:pic>
+      <p:sp>
+        <p:nvSpPr>
+          <p:cNvPr id="2" name="제목 1"/>
+          <p:cNvSpPr>
+            <a:spLocks noGrp="1"/>
+          </p:cNvSpPr>
+          <p:nvPr>
+            <p:ph type="title"/>
+          </p:nvPr>
+        </p:nvSpPr>
+        <p:spPr>
+          <a:xfrm>
+            <a:off x="10254442" y="304364"/>
+            <a:ext cx="1963149" cy="1325563"/>
+          </a:xfrm>
+        </p:spPr>
+        <p:txBody>
+          <a:bodyPr>
+            <a:normAutofit/>
+          </a:bodyPr>
+          <a:lstStyle/>
+          <a:p>
+            <a:r>
+              <a:rPr lang="en-US" altLang="ko-KR" sz="3200" dirty="0" smtClean="0"/>
+              <a:t>Module</a:t>
+            </a:r>
+            <a:endParaRPr lang="ko-KR" altLang="en-US" sz="3200" dirty="0"/>
+          </a:p>
+        </p:txBody>
+      </p:sp>
+      <p:sp>
+        <p:nvSpPr>
+          <p:cNvPr id="3" name="내용 개체 틀 2"/>
+          <p:cNvSpPr>
+            <a:spLocks noGrp="1"/>
+          </p:cNvSpPr>
+          <p:nvPr>
+            <p:ph idx="1"/>
+          </p:nvPr>
+        </p:nvSpPr>
+        <p:spPr>
+          <a:xfrm>
+            <a:off x="538065" y="5461975"/>
+            <a:ext cx="10515600" cy="1250400"/>
+          </a:xfrm>
+        </p:spPr>
+        <p:txBody>
+          <a:bodyPr/>
+          <a:lstStyle/>
+          <a:p>
+            <a:endParaRPr lang="ko-KR" altLang="en-US" dirty="0"/>
+          </a:p>
+        </p:txBody>
+      </p:sp>
+      <p:sp>
+        <p:nvSpPr>
+          <p:cNvPr id="4" name="제목 1"/>
+          <p:cNvSpPr txBox="1">
+            <a:spLocks/>
+          </p:cNvSpPr>
+          <p:nvPr/>
+        </p:nvSpPr>
+        <p:spPr>
+          <a:xfrm>
+            <a:off x="2360645" y="2851580"/>
+            <a:ext cx="3435220" cy="1325563"/>
+          </a:xfrm>
+          <a:prstGeom prst="rect">
+            <a:avLst/>
+          </a:prstGeom>
+        </p:spPr>
+        <p:txBody>
+          <a:bodyPr vert="horz" lIns="91440" tIns="45720" rIns="91440" bIns="45720" rtlCol="0" anchor="ctr">
+            <a:normAutofit/>
+          </a:bodyPr>
+          <a:lstStyle>
+            <a:lvl1pPr algn="l" defTabSz="914400" rtl="0" eaLnBrk="1" latinLnBrk="1" hangingPunct="1">
+              <a:lnSpc>
+                <a:spcPct val="90000"/>
+              </a:lnSpc>
+              <a:spcBef>
+                <a:spcPct val="0"/>
+              </a:spcBef>
+              <a:buNone/>
+              <a:defRPr sz="4400" kern="1200">
+                <a:solidFill>
+                  <a:schemeClr val="tx1"/>
+                </a:solidFill>
+                <a:latin typeface="+mj-lt"/>
+                <a:ea typeface="+mj-ea"/>
+                <a:cs typeface="+mj-cs"/>
+              </a:defRPr>
+            </a:lvl1pPr>
+          </a:lstStyle>
+          <a:p>
+            <a:r>
+              <a:rPr lang="en-US" altLang="ko-KR" b="1" i="1" dirty="0" err="1" smtClean="0"/>
+              <a:t>Intializing</a:t>
+            </a:r>
+            <a:endParaRPr lang="ko-KR" altLang="en-US" b="1" i="1" dirty="0"/>
+          </a:p>
+        </p:txBody>
+      </p:sp>
+      <p:sp>
+        <p:nvSpPr>
+          <p:cNvPr id="6" name="직사각형 5"/>
+          <p:cNvSpPr/>
+          <p:nvPr/>
+        </p:nvSpPr>
+        <p:spPr>
+          <a:xfrm>
+            <a:off x="10285506" y="1629927"/>
+            <a:ext cx="1536318" cy="523220"/>
+          </a:xfrm>
+          <a:prstGeom prst="rect">
+            <a:avLst/>
+          </a:prstGeom>
+        </p:spPr>
+        <p:txBody>
+          <a:bodyPr wrap="none">
+            <a:spAutoFit/>
+          </a:bodyPr>
+          <a:lstStyle/>
+          <a:p>
+            <a:r>
+              <a:rPr lang="en-US" altLang="ko-KR" sz="2800" dirty="0"/>
+              <a:t>Weapon</a:t>
+            </a:r>
+            <a:endParaRPr lang="ko-KR" altLang="en-US" sz="2800" dirty="0"/>
+          </a:p>
+        </p:txBody>
+      </p:sp>
+      <p:sp>
+        <p:nvSpPr>
+          <p:cNvPr id="7" name="제목 1"/>
+          <p:cNvSpPr txBox="1">
+            <a:spLocks/>
+          </p:cNvSpPr>
+          <p:nvPr/>
+        </p:nvSpPr>
+        <p:spPr>
+          <a:xfrm>
+            <a:off x="3658246" y="3226290"/>
+            <a:ext cx="3435220" cy="1325563"/>
+          </a:xfrm>
+          <a:prstGeom prst="rect">
+            <a:avLst/>
+          </a:prstGeom>
+        </p:spPr>
+        <p:txBody>
+          <a:bodyPr vert="horz" lIns="91440" tIns="45720" rIns="91440" bIns="45720" rtlCol="0" anchor="ctr">
+            <a:normAutofit/>
+          </a:bodyPr>
+          <a:lstStyle>
+            <a:lvl1pPr algn="l" defTabSz="914400" rtl="0" eaLnBrk="1" latinLnBrk="1" hangingPunct="1">
+              <a:lnSpc>
+                <a:spcPct val="90000"/>
+              </a:lnSpc>
+              <a:spcBef>
+                <a:spcPct val="0"/>
+              </a:spcBef>
+              <a:buNone/>
+              <a:defRPr sz="4400" kern="1200">
+                <a:solidFill>
+                  <a:schemeClr val="tx1"/>
+                </a:solidFill>
+                <a:latin typeface="+mj-lt"/>
+                <a:ea typeface="+mj-ea"/>
+                <a:cs typeface="+mj-cs"/>
+              </a:defRPr>
+            </a:lvl1pPr>
+          </a:lstStyle>
+          <a:p>
+            <a:r>
+              <a:rPr lang="en-US" altLang="ko-KR" dirty="0" smtClean="0"/>
+              <a:t>Reflection shield</a:t>
+            </a:r>
+            <a:endParaRPr lang="ko-KR" altLang="en-US" dirty="0"/>
+          </a:p>
+        </p:txBody>
+      </p:sp>
+      <p:sp>
+        <p:nvSpPr>
+          <p:cNvPr id="8" name="제목 1"/>
+          <p:cNvSpPr txBox="1">
+            <a:spLocks/>
+          </p:cNvSpPr>
+          <p:nvPr/>
+        </p:nvSpPr>
+        <p:spPr>
+          <a:xfrm>
+            <a:off x="6067812" y="2887639"/>
+            <a:ext cx="3435220" cy="1325563"/>
+          </a:xfrm>
+          <a:prstGeom prst="rect">
+            <a:avLst/>
+          </a:prstGeom>
+        </p:spPr>
+        <p:txBody>
+          <a:bodyPr vert="horz" lIns="91440" tIns="45720" rIns="91440" bIns="45720" rtlCol="0" anchor="ctr">
+            <a:normAutofit/>
+          </a:bodyPr>
+          <a:lstStyle>
+            <a:lvl1pPr algn="l" defTabSz="914400" rtl="0" eaLnBrk="1" latinLnBrk="1" hangingPunct="1">
+              <a:lnSpc>
+                <a:spcPct val="90000"/>
+              </a:lnSpc>
+              <a:spcBef>
+                <a:spcPct val="0"/>
+              </a:spcBef>
+              <a:buNone/>
+              <a:defRPr sz="4400" kern="1200">
+                <a:solidFill>
+                  <a:schemeClr val="tx1"/>
+                </a:solidFill>
+                <a:latin typeface="+mj-lt"/>
+                <a:ea typeface="+mj-ea"/>
+                <a:cs typeface="+mj-cs"/>
+              </a:defRPr>
+            </a:lvl1pPr>
+          </a:lstStyle>
+          <a:p>
+            <a:r>
+              <a:rPr lang="en-US" altLang="ko-KR" sz="3200" b="1" dirty="0" smtClean="0">
+                <a:solidFill>
+                  <a:schemeClr val="accent6"/>
+                </a:solidFill>
+              </a:rPr>
+              <a:t>Battle-Arm</a:t>
+            </a:r>
+            <a:endParaRPr lang="ko-KR" altLang="en-US" sz="3200" b="1" dirty="0">
+              <a:solidFill>
+                <a:schemeClr val="accent6"/>
+              </a:solidFill>
+            </a:endParaRPr>
+          </a:p>
+        </p:txBody>
+      </p:sp>
+      <p:sp>
+        <p:nvSpPr>
+          <p:cNvPr id="9" name="제목 1"/>
+          <p:cNvSpPr txBox="1">
+            <a:spLocks/>
+          </p:cNvSpPr>
+          <p:nvPr/>
+        </p:nvSpPr>
+        <p:spPr>
+          <a:xfrm>
+            <a:off x="3594630" y="1769797"/>
+            <a:ext cx="3435220" cy="1325563"/>
+          </a:xfrm>
+          <a:prstGeom prst="rect">
+            <a:avLst/>
+          </a:prstGeom>
+        </p:spPr>
+        <p:txBody>
+          <a:bodyPr vert="horz" lIns="91440" tIns="45720" rIns="91440" bIns="45720" rtlCol="0" anchor="ctr">
+            <a:normAutofit/>
+          </a:bodyPr>
+          <a:lstStyle>
+            <a:lvl1pPr algn="l" defTabSz="914400" rtl="0" eaLnBrk="1" latinLnBrk="1" hangingPunct="1">
+              <a:lnSpc>
+                <a:spcPct val="90000"/>
+              </a:lnSpc>
+              <a:spcBef>
+                <a:spcPct val="0"/>
+              </a:spcBef>
+              <a:buNone/>
+              <a:defRPr sz="4400" kern="1200">
+                <a:solidFill>
+                  <a:schemeClr val="tx1"/>
+                </a:solidFill>
+                <a:latin typeface="+mj-lt"/>
+                <a:ea typeface="+mj-ea"/>
+                <a:cs typeface="+mj-cs"/>
+              </a:defRPr>
+            </a:lvl1pPr>
+          </a:lstStyle>
+          <a:p>
+            <a:r>
+              <a:rPr lang="en-US" altLang="ko-KR" dirty="0" smtClean="0"/>
+              <a:t>Plasma-Gun</a:t>
+            </a:r>
+            <a:endParaRPr lang="ko-KR" altLang="en-US" dirty="0"/>
+          </a:p>
+        </p:txBody>
+      </p:sp>
+      <p:sp>
+        <p:nvSpPr>
+          <p:cNvPr id="5" name="제목 1"/>
+          <p:cNvSpPr txBox="1">
+            <a:spLocks/>
+          </p:cNvSpPr>
+          <p:nvPr/>
+        </p:nvSpPr>
+        <p:spPr>
+          <a:xfrm>
+            <a:off x="3953352" y="2887640"/>
+            <a:ext cx="2648339" cy="1325563"/>
+          </a:xfrm>
+          <a:prstGeom prst="rect">
+            <a:avLst/>
+          </a:prstGeom>
+          <a:effectLst>
+            <a:outerShdw blurRad="50800" dist="38100" dir="2700000" algn="tl" rotWithShape="0">
+              <a:prstClr val="black">
+                <a:alpha val="40000"/>
+              </a:prstClr>
+            </a:outerShdw>
+          </a:effectLst>
+        </p:spPr>
+        <p:txBody>
+          <a:bodyPr vert="horz" lIns="91440" tIns="45720" rIns="91440" bIns="45720" rtlCol="0" anchor="ctr">
+            <a:normAutofit/>
+          </a:bodyPr>
+          <a:lstStyle>
+            <a:lvl1pPr algn="l" defTabSz="914400" rtl="0" eaLnBrk="1" latinLnBrk="1" hangingPunct="1">
+              <a:lnSpc>
+                <a:spcPct val="90000"/>
+              </a:lnSpc>
+              <a:spcBef>
+                <a:spcPct val="0"/>
+              </a:spcBef>
+              <a:buNone/>
+              <a:defRPr sz="4400" kern="1200">
+                <a:solidFill>
+                  <a:schemeClr val="tx1"/>
+                </a:solidFill>
+                <a:latin typeface="+mj-lt"/>
+                <a:ea typeface="+mj-ea"/>
+                <a:cs typeface="+mj-cs"/>
+              </a:defRPr>
+            </a:lvl1pPr>
+          </a:lstStyle>
+          <a:p>
+            <a:r>
+              <a:rPr lang="en-US" altLang="ko-KR" b="1" i="1" dirty="0" smtClean="0">
+                <a:effectLst>
+                  <a:glow rad="228600">
+                    <a:schemeClr val="accent6">
+                      <a:satMod val="175000"/>
+                      <a:alpha val="40000"/>
+                    </a:schemeClr>
+                  </a:glow>
+                </a:effectLst>
+              </a:rPr>
+              <a:t>Plug In</a:t>
+            </a:r>
+            <a:endParaRPr lang="ko-KR" altLang="en-US" b="1" i="1" dirty="0">
+              <a:effectLst>
+                <a:glow rad="228600">
+                  <a:schemeClr val="accent6">
+                    <a:satMod val="175000"/>
+                    <a:alpha val="40000"/>
+                  </a:schemeClr>
+                </a:glow>
+              </a:effectLst>
+            </a:endParaRPr>
+          </a:p>
+        </p:txBody>
+      </p:sp>
+      <p:pic>
+        <p:nvPicPr>
+          <p:cNvPr id="12" name="그림 11"/>
+          <p:cNvPicPr>
+            <a:picLocks noChangeAspect="1"/>
+          </p:cNvPicPr>
+          <p:nvPr/>
+        </p:nvPicPr>
+        <p:blipFill>
+          <a:blip r:embed="rId3"/>
+          <a:stretch>
+            <a:fillRect/>
+          </a:stretch>
+        </p:blipFill>
+        <p:spPr>
+          <a:xfrm>
+            <a:off x="8498890" y="3255398"/>
+            <a:ext cx="590632" cy="581106"/>
+          </a:xfrm>
+          <a:prstGeom prst="rect">
+            <a:avLst/>
+          </a:prstGeom>
+        </p:spPr>
+      </p:pic>
+      <p:pic>
+        <p:nvPicPr>
+          <p:cNvPr id="13" name="그림 12"/>
+          <p:cNvPicPr>
+            <a:picLocks noChangeAspect="1"/>
+          </p:cNvPicPr>
+          <p:nvPr/>
+        </p:nvPicPr>
+        <p:blipFill>
+          <a:blip r:embed="rId4"/>
+          <a:stretch>
+            <a:fillRect/>
+          </a:stretch>
+        </p:blipFill>
+        <p:spPr>
+          <a:xfrm>
+            <a:off x="3052762" y="1290637"/>
+            <a:ext cx="6086475" cy="4276725"/>
+          </a:xfrm>
+          <a:prstGeom prst="rect">
+            <a:avLst/>
+          </a:prstGeom>
+        </p:spPr>
+      </p:pic>
+      <p:pic>
+        <p:nvPicPr>
+          <p:cNvPr id="14" name="그림 13"/>
+          <p:cNvPicPr>
+            <a:picLocks noChangeAspect="1"/>
+          </p:cNvPicPr>
+          <p:nvPr/>
+        </p:nvPicPr>
+        <p:blipFill>
+          <a:blip r:embed="rId5"/>
+          <a:stretch>
+            <a:fillRect/>
+          </a:stretch>
+        </p:blipFill>
+        <p:spPr>
+          <a:xfrm>
+            <a:off x="10634391" y="3297356"/>
+            <a:ext cx="581025" cy="600075"/>
+          </a:xfrm>
+          <a:prstGeom prst="rect">
+            <a:avLst/>
+          </a:prstGeom>
+        </p:spPr>
+      </p:pic>
+    </p:spTree>
+    <p:extLst>
+      <p:ext uri="{BB962C8B-B14F-4D97-AF65-F5344CB8AC3E}">
+        <p14:creationId xmlns:p14="http://schemas.microsoft.com/office/powerpoint/2010/main" val="1084253598"/>
+      </p:ext>
+    </p:extLst>
+  </p:cSld>
+  <p:clrMapOvr>
+    <a:masterClrMapping/>
+  </p:clrMapOvr>
+</p:sld>
+</file>
+
 <file path=ppt/slides/slide2.xml><?xml version="1.0" encoding="utf-8"?>
 <p:sld xmlns:a="http://schemas.openxmlformats.org/drawingml/2006/main" xmlns:r="http://schemas.openxmlformats.org/officeDocument/2006/relationships" xmlns:p="http://schemas.openxmlformats.org/presentationml/2006/main">
   <p:cSld>
